--- a/src/main/resources/Documentation/UserDocs/app/Creating Tool Scope.pptx
+++ b/src/main/resources/Documentation/UserDocs/app/Creating Tool Scope.pptx
@@ -8,7 +8,7 @@
     <p:notesMasterId r:id="rId3"/>
   </p:notesMasterIdLst>
   <p:sldIdLst>
-    <p:sldId id="284" r:id="rId2"/>
+    <p:sldId id="287" r:id="rId2"/>
   </p:sldIdLst>
   <p:sldSz cx="12192000" cy="6858000"/>
   <p:notesSz cx="7010400" cy="9296400"/>
@@ -141,27 +141,6 @@
 </p:cmAuthorLst>
 </file>
 
-<file path=ppt/changesInfos/changesInfo1.xml><?xml version="1.0" encoding="utf-8"?>
-<pc:chgInfo xmlns:a="http://schemas.openxmlformats.org/drawingml/2006/main" xmlns:r="http://schemas.openxmlformats.org/officeDocument/2006/relationships" xmlns:ac="http://schemas.microsoft.com/office/drawing/2013/main/command" xmlns:pc="http://schemas.microsoft.com/office/powerpoint/2013/main/command">
-  <pc:docChgLst>
-    <pc:chgData name="Martinez, Sandra (Fed)" userId="a803850f-d246-4701-851d-cf6e46ff4720" providerId="ADAL" clId="{B6023C91-A9FB-4CE3-A79B-89D390318778}"/>
-    <pc:docChg chg="modSld">
-      <pc:chgData name="Martinez, Sandra (Fed)" userId="a803850f-d246-4701-851d-cf6e46ff4720" providerId="ADAL" clId="{B6023C91-A9FB-4CE3-A79B-89D390318778}" dt="2018-08-02T19:20:13.448" v="0" actId="6549"/>
-      <pc:docMkLst>
-        <pc:docMk/>
-      </pc:docMkLst>
-      <pc:sldChg chg="modNotesTx">
-        <pc:chgData name="Martinez, Sandra (Fed)" userId="a803850f-d246-4701-851d-cf6e46ff4720" providerId="ADAL" clId="{B6023C91-A9FB-4CE3-A79B-89D390318778}" dt="2018-08-02T19:20:13.448" v="0" actId="6549"/>
-        <pc:sldMkLst>
-          <pc:docMk/>
-          <pc:sldMk cId="2290102311" sldId="284"/>
-        </pc:sldMkLst>
-      </pc:sldChg>
-    </pc:docChg>
-  </pc:docChgLst>
-</pc:chgInfo>
-</file>
-
 <file path=ppt/notesMasters/notesMaster1.xml><?xml version="1.0" encoding="utf-8"?>
 <p:notesMaster xmlns:a="http://schemas.openxmlformats.org/drawingml/2006/main" xmlns:r="http://schemas.openxmlformats.org/officeDocument/2006/relationships" xmlns:p="http://schemas.openxmlformats.org/presentationml/2006/main">
   <p:cSld>
@@ -244,7 +223,7 @@
           <a:p>
             <a:fld id="{9D756F37-617F-4B1C-BED3-CE7228747FF6}" type="datetimeFigureOut">
               <a:rPr lang="en-US" smtClean="0"/>
-              <a:t>8/2/2018</a:t>
+              <a:t>3/4/2019</a:t>
             </a:fld>
             <a:endParaRPr lang="en-US" dirty="0"/>
           </a:p>
@@ -742,7 +721,7 @@
     </p:spTree>
     <p:extLst>
       <p:ext uri="{BB962C8B-B14F-4D97-AF65-F5344CB8AC3E}">
-        <p14:creationId xmlns:p14="http://schemas.microsoft.com/office/powerpoint/2010/main" val="37788858"/>
+        <p14:creationId xmlns:p14="http://schemas.microsoft.com/office/powerpoint/2010/main" val="1391847423"/>
       </p:ext>
     </p:extLst>
   </p:cSld>
@@ -899,7 +878,7 @@
           <a:p>
             <a:fld id="{48C125B5-8C0F-4E23-A011-032AA809F041}" type="datetimeFigureOut">
               <a:rPr lang="en-US" smtClean="0"/>
-              <a:t>8/2/2018</a:t>
+              <a:t>3/4/2019</a:t>
             </a:fld>
             <a:endParaRPr lang="en-US" dirty="0"/>
           </a:p>
@@ -1097,7 +1076,7 @@
           <a:p>
             <a:fld id="{48C125B5-8C0F-4E23-A011-032AA809F041}" type="datetimeFigureOut">
               <a:rPr lang="en-US" smtClean="0"/>
-              <a:t>8/2/2018</a:t>
+              <a:t>3/4/2019</a:t>
             </a:fld>
             <a:endParaRPr lang="en-US" dirty="0"/>
           </a:p>
@@ -1305,7 +1284,7 @@
           <a:p>
             <a:fld id="{48C125B5-8C0F-4E23-A011-032AA809F041}" type="datetimeFigureOut">
               <a:rPr lang="en-US" smtClean="0"/>
-              <a:t>8/2/2018</a:t>
+              <a:t>3/4/2019</a:t>
             </a:fld>
             <a:endParaRPr lang="en-US" dirty="0"/>
           </a:p>
@@ -1503,7 +1482,7 @@
           <a:p>
             <a:fld id="{48C125B5-8C0F-4E23-A011-032AA809F041}" type="datetimeFigureOut">
               <a:rPr lang="en-US" smtClean="0"/>
-              <a:t>8/2/2018</a:t>
+              <a:t>3/4/2019</a:t>
             </a:fld>
             <a:endParaRPr lang="en-US" dirty="0"/>
           </a:p>
@@ -1778,7 +1757,7 @@
           <a:p>
             <a:fld id="{48C125B5-8C0F-4E23-A011-032AA809F041}" type="datetimeFigureOut">
               <a:rPr lang="en-US" smtClean="0"/>
-              <a:t>8/2/2018</a:t>
+              <a:t>3/4/2019</a:t>
             </a:fld>
             <a:endParaRPr lang="en-US" dirty="0"/>
           </a:p>
@@ -2043,7 +2022,7 @@
           <a:p>
             <a:fld id="{48C125B5-8C0F-4E23-A011-032AA809F041}" type="datetimeFigureOut">
               <a:rPr lang="en-US" smtClean="0"/>
-              <a:t>8/2/2018</a:t>
+              <a:t>3/4/2019</a:t>
             </a:fld>
             <a:endParaRPr lang="en-US" dirty="0"/>
           </a:p>
@@ -2455,7 +2434,7 @@
           <a:p>
             <a:fld id="{48C125B5-8C0F-4E23-A011-032AA809F041}" type="datetimeFigureOut">
               <a:rPr lang="en-US" smtClean="0"/>
-              <a:t>8/2/2018</a:t>
+              <a:t>3/4/2019</a:t>
             </a:fld>
             <a:endParaRPr lang="en-US" dirty="0"/>
           </a:p>
@@ -2596,7 +2575,7 @@
           <a:p>
             <a:fld id="{48C125B5-8C0F-4E23-A011-032AA809F041}" type="datetimeFigureOut">
               <a:rPr lang="en-US" smtClean="0"/>
-              <a:t>8/2/2018</a:t>
+              <a:t>3/4/2019</a:t>
             </a:fld>
             <a:endParaRPr lang="en-US" dirty="0"/>
           </a:p>
@@ -2709,7 +2688,7 @@
           <a:p>
             <a:fld id="{48C125B5-8C0F-4E23-A011-032AA809F041}" type="datetimeFigureOut">
               <a:rPr lang="en-US" smtClean="0"/>
-              <a:t>8/2/2018</a:t>
+              <a:t>3/4/2019</a:t>
             </a:fld>
             <a:endParaRPr lang="en-US" dirty="0"/>
           </a:p>
@@ -3020,7 +2999,7 @@
           <a:p>
             <a:fld id="{48C125B5-8C0F-4E23-A011-032AA809F041}" type="datetimeFigureOut">
               <a:rPr lang="en-US" smtClean="0"/>
-              <a:t>8/2/2018</a:t>
+              <a:t>3/4/2019</a:t>
             </a:fld>
             <a:endParaRPr lang="en-US" dirty="0"/>
           </a:p>
@@ -3308,7 +3287,7 @@
           <a:p>
             <a:fld id="{48C125B5-8C0F-4E23-A011-032AA809F041}" type="datetimeFigureOut">
               <a:rPr lang="en-US" smtClean="0"/>
-              <a:t>8/2/2018</a:t>
+              <a:t>3/4/2019</a:t>
             </a:fld>
             <a:endParaRPr lang="en-US" dirty="0"/>
           </a:p>
@@ -3549,7 +3528,7 @@
           <a:p>
             <a:fld id="{48C125B5-8C0F-4E23-A011-032AA809F041}" type="datetimeFigureOut">
               <a:rPr lang="en-US" smtClean="0"/>
-              <a:t>8/2/2018</a:t>
+              <a:t>3/4/2019</a:t>
             </a:fld>
             <a:endParaRPr lang="en-US" dirty="0"/>
           </a:p>
@@ -3968,62 +3947,32 @@
       </p:grpSpPr>
       <p:pic>
         <p:nvPicPr>
-          <p:cNvPr id="5122" name="Picture 3">
-            <a:extLst>
-              <a:ext uri="{FF2B5EF4-FFF2-40B4-BE49-F238E27FC236}">
-                <a16:creationId xmlns:a16="http://schemas.microsoft.com/office/drawing/2014/main" id="{E8334DEA-41C8-468E-A9BC-0DCD343A404B}"/>
+          <p:cNvPr id="8" name="Picture 7">
+            <a:extLst>
+              <a:ext uri="{FF2B5EF4-FFF2-40B4-BE49-F238E27FC236}">
+                <a16:creationId xmlns:a16="http://schemas.microsoft.com/office/drawing/2014/main" id="{4B8067F5-872A-4AB9-A768-2F07C665C04F}"/>
               </a:ext>
             </a:extLst>
           </p:cNvPr>
           <p:cNvPicPr>
-            <a:picLocks noChangeAspect="1" noChangeArrowheads="1"/>
+            <a:picLocks noChangeAspect="1"/>
           </p:cNvPicPr>
           <p:nvPr/>
         </p:nvPicPr>
         <p:blipFill>
-          <a:blip r:embed="rId3">
-            <a:extLst>
-              <a:ext uri="{28A0092B-C50C-407E-A947-70E740481C1C}">
-                <a14:useLocalDpi xmlns:a14="http://schemas.microsoft.com/office/drawing/2010/main" val="0"/>
-              </a:ext>
-            </a:extLst>
-          </a:blip>
-          <a:srcRect/>
+          <a:blip r:embed="rId3"/>
           <a:stretch>
             <a:fillRect/>
           </a:stretch>
         </p:blipFill>
-        <p:spPr bwMode="auto">
+        <p:spPr>
           <a:xfrm>
-            <a:off x="570248" y="1050766"/>
-            <a:ext cx="11032389" cy="3482661"/>
+            <a:off x="573598" y="1499058"/>
+            <a:ext cx="11022882" cy="4002529"/>
           </a:xfrm>
           <a:prstGeom prst="rect">
             <a:avLst/>
           </a:prstGeom>
-          <a:noFill/>
-          <a:ln>
-            <a:noFill/>
-          </a:ln>
-          <a:extLst>
-            <a:ext uri="{909E8E84-426E-40DD-AFC4-6F175D3DCCD1}">
-              <a14:hiddenFill xmlns:a14="http://schemas.microsoft.com/office/drawing/2010/main">
-                <a:solidFill>
-                  <a:srgbClr val="FFFFFF"/>
-                </a:solidFill>
-              </a14:hiddenFill>
-            </a:ext>
-            <a:ext uri="{91240B29-F687-4F45-9708-019B960494DF}">
-              <a14:hiddenLine xmlns:a14="http://schemas.microsoft.com/office/drawing/2010/main" w="9525">
-                <a:solidFill>
-                  <a:srgbClr val="000000"/>
-                </a:solidFill>
-                <a:miter lim="800000"/>
-                <a:headEnd/>
-                <a:tailEnd/>
-              </a14:hiddenLine>
-            </a:ext>
-          </a:extLst>
         </p:spPr>
       </p:pic>
       <p:sp>
@@ -4044,8 +3993,8 @@
         </p:nvSpPr>
         <p:spPr>
           <a:xfrm>
-            <a:off x="1966913" y="236232"/>
-            <a:ext cx="8229600" cy="523875"/>
+            <a:off x="6475444" y="236232"/>
+            <a:ext cx="3972995" cy="523875"/>
           </a:xfrm>
         </p:spPr>
         <p:txBody>
@@ -4083,8 +4032,8 @@
         </p:nvSpPr>
         <p:spPr bwMode="auto">
           <a:xfrm>
-            <a:off x="570247" y="1050766"/>
-            <a:ext cx="11032390" cy="4275138"/>
+            <a:off x="570247" y="1498654"/>
+            <a:ext cx="11032390" cy="4028699"/>
           </a:xfrm>
           <a:prstGeom prst="rect">
             <a:avLst/>
@@ -4275,7 +4224,7 @@
         </p:nvGrpSpPr>
         <p:grpSpPr bwMode="auto">
           <a:xfrm>
-            <a:off x="10396137" y="428465"/>
+            <a:off x="10396137" y="876353"/>
             <a:ext cx="1206500" cy="622301"/>
             <a:chOff x="5193311" y="5082351"/>
             <a:chExt cx="1201184" cy="599918"/>
@@ -4661,7 +4610,7 @@
         </p:blipFill>
         <p:spPr bwMode="auto">
           <a:xfrm>
-            <a:off x="4251326" y="2081056"/>
+            <a:off x="4447277" y="2528944"/>
             <a:ext cx="3167063" cy="1598613"/>
           </a:xfrm>
           <a:prstGeom prst="rect">
@@ -4708,10 +4657,10 @@
         </p:nvGrpSpPr>
         <p:grpSpPr bwMode="auto">
           <a:xfrm rot="5400000">
-            <a:off x="2720182" y="1038862"/>
-            <a:ext cx="915988" cy="2841625"/>
-            <a:chOff x="8326852" y="5995415"/>
-            <a:chExt cx="960814" cy="2804633"/>
+            <a:off x="3155478" y="1450959"/>
+            <a:ext cx="1355574" cy="2419351"/>
+            <a:chOff x="8326852" y="6412193"/>
+            <a:chExt cx="1421912" cy="2387856"/>
           </a:xfrm>
         </p:grpSpPr>
         <p:sp>
@@ -5004,9 +4953,9 @@
             <p:nvPr/>
           </p:nvCxnSpPr>
           <p:spPr bwMode="auto">
-            <a:xfrm rot="-5400000">
-              <a:off x="8746902" y="6715877"/>
-              <a:ext cx="1081528" cy="0"/>
+            <a:xfrm rot="16200000">
+              <a:off x="9553835" y="6998698"/>
+              <a:ext cx="368527" cy="0"/>
             </a:xfrm>
             <a:prstGeom prst="line">
               <a:avLst/>
@@ -5054,9 +5003,9 @@
             <p:nvPr/>
           </p:nvCxnSpPr>
           <p:spPr bwMode="auto">
-            <a:xfrm rot="-5400000" flipH="1" flipV="1">
-              <a:off x="9028723" y="7002643"/>
-              <a:ext cx="1" cy="507995"/>
+            <a:xfrm rot="16200000" flipV="1">
+              <a:off x="9251165" y="6685366"/>
+              <a:ext cx="1" cy="995196"/>
             </a:xfrm>
             <a:prstGeom prst="line">
               <a:avLst/>
@@ -5104,9 +5053,9 @@
             <p:nvPr/>
           </p:nvCxnSpPr>
           <p:spPr bwMode="auto">
-            <a:xfrm rot="-5400000">
-              <a:off x="8363648" y="6626028"/>
-              <a:ext cx="1261226" cy="0"/>
+            <a:xfrm rot="16200000">
+              <a:off x="9198022" y="6909667"/>
+              <a:ext cx="546590" cy="0"/>
             </a:xfrm>
             <a:prstGeom prst="line">
               <a:avLst/>
@@ -5156,7 +5105,7 @@
         </p:nvSpPr>
         <p:spPr bwMode="auto">
           <a:xfrm>
-            <a:off x="7810500" y="3315856"/>
+            <a:off x="7948922" y="3566472"/>
             <a:ext cx="1011238" cy="230832"/>
           </a:xfrm>
           <a:prstGeom prst="rect">
@@ -5375,7 +5324,7 @@
         </p:nvSpPr>
         <p:spPr bwMode="auto">
           <a:xfrm>
-            <a:off x="7625313" y="3154513"/>
+            <a:off x="7799611" y="3405858"/>
             <a:ext cx="268288" cy="277813"/>
           </a:xfrm>
           <a:prstGeom prst="ellipse">
@@ -5442,8 +5391,8 @@
         </p:nvCxnSpPr>
         <p:spPr bwMode="auto">
           <a:xfrm flipH="1">
-            <a:off x="7366001" y="3451068"/>
-            <a:ext cx="441325" cy="0"/>
+            <a:off x="7526239" y="3917617"/>
+            <a:ext cx="541660" cy="0"/>
           </a:xfrm>
           <a:prstGeom prst="line">
             <a:avLst/>
@@ -5476,714 +5425,6 @@
           </a:extLst>
         </p:spPr>
       </p:cxnSp>
-      <p:pic>
-        <p:nvPicPr>
-          <p:cNvPr id="5131" name="Picture 14">
-            <a:extLst>
-              <a:ext uri="{FF2B5EF4-FFF2-40B4-BE49-F238E27FC236}">
-                <a16:creationId xmlns:a16="http://schemas.microsoft.com/office/drawing/2014/main" id="{E0F5F8B5-2FB5-48C4-B191-7655F0466492}"/>
-              </a:ext>
-            </a:extLst>
-          </p:cNvPr>
-          <p:cNvPicPr>
-            <a:picLocks noChangeAspect="1" noChangeArrowheads="1"/>
-          </p:cNvPicPr>
-          <p:nvPr/>
-        </p:nvPicPr>
-        <p:blipFill>
-          <a:blip r:embed="rId5">
-            <a:extLst>
-              <a:ext uri="{28A0092B-C50C-407E-A947-70E740481C1C}">
-                <a14:useLocalDpi xmlns:a14="http://schemas.microsoft.com/office/drawing/2010/main" val="0"/>
-              </a:ext>
-            </a:extLst>
-          </a:blip>
-          <a:srcRect/>
-          <a:stretch>
-            <a:fillRect/>
-          </a:stretch>
-        </p:blipFill>
-        <p:spPr bwMode="auto">
-          <a:xfrm>
-            <a:off x="2312093" y="4634774"/>
-            <a:ext cx="9453917" cy="1654542"/>
-          </a:xfrm>
-          <a:prstGeom prst="rect">
-            <a:avLst/>
-          </a:prstGeom>
-          <a:noFill/>
-          <a:ln>
-            <a:noFill/>
-          </a:ln>
-          <a:extLst>
-            <a:ext uri="{909E8E84-426E-40DD-AFC4-6F175D3DCCD1}">
-              <a14:hiddenFill xmlns:a14="http://schemas.microsoft.com/office/drawing/2010/main">
-                <a:solidFill>
-                  <a:srgbClr val="FFFFFF"/>
-                </a:solidFill>
-              </a14:hiddenFill>
-            </a:ext>
-            <a:ext uri="{91240B29-F687-4F45-9708-019B960494DF}">
-              <a14:hiddenLine xmlns:a14="http://schemas.microsoft.com/office/drawing/2010/main" w="9525">
-                <a:solidFill>
-                  <a:srgbClr val="000000"/>
-                </a:solidFill>
-                <a:miter lim="800000"/>
-                <a:headEnd/>
-                <a:tailEnd/>
-              </a14:hiddenLine>
-            </a:ext>
-          </a:extLst>
-        </p:spPr>
-      </p:pic>
-      <p:sp>
-        <p:nvSpPr>
-          <p:cNvPr id="5132" name="Rectangle 18">
-            <a:extLst>
-              <a:ext uri="{FF2B5EF4-FFF2-40B4-BE49-F238E27FC236}">
-                <a16:creationId xmlns:a16="http://schemas.microsoft.com/office/drawing/2014/main" id="{DD82184E-0EA4-4712-9226-F5C902510148}"/>
-              </a:ext>
-            </a:extLst>
-          </p:cNvPr>
-          <p:cNvSpPr>
-            <a:spLocks noChangeArrowheads="1"/>
-          </p:cNvSpPr>
-          <p:nvPr/>
-        </p:nvSpPr>
-        <p:spPr bwMode="auto">
-          <a:xfrm>
-            <a:off x="2312093" y="4634774"/>
-            <a:ext cx="9453917" cy="1697403"/>
-          </a:xfrm>
-          <a:prstGeom prst="rect">
-            <a:avLst/>
-          </a:prstGeom>
-          <a:noFill/>
-          <a:ln w="38100" algn="ctr">
-            <a:solidFill>
-              <a:srgbClr val="C00000"/>
-            </a:solidFill>
-            <a:round/>
-            <a:headEnd/>
-            <a:tailEnd/>
-          </a:ln>
-          <a:extLst>
-            <a:ext uri="{909E8E84-426E-40DD-AFC4-6F175D3DCCD1}">
-              <a14:hiddenFill xmlns:a14="http://schemas.microsoft.com/office/drawing/2010/main">
-                <a:solidFill>
-                  <a:srgbClr val="FFFFFF"/>
-                </a:solidFill>
-              </a14:hiddenFill>
-            </a:ext>
-          </a:extLst>
-        </p:spPr>
-        <p:txBody>
-          <a:bodyPr/>
-          <a:lstStyle>
-            <a:lvl1pPr>
-              <a:spcBef>
-                <a:spcPct val="20000"/>
-              </a:spcBef>
-              <a:buChar char="•"/>
-              <a:defRPr sz="2200">
-                <a:solidFill>
-                  <a:schemeClr val="tx1"/>
-                </a:solidFill>
-                <a:latin typeface="Arial" panose="020B0604020202020204" pitchFamily="34" charset="0"/>
-                <a:ea typeface="ＭＳ Ｐゴシック" panose="020B0600070205080204" pitchFamily="34" charset="-128"/>
-              </a:defRPr>
-            </a:lvl1pPr>
-            <a:lvl2pPr marL="742950" indent="-285750">
-              <a:spcBef>
-                <a:spcPct val="20000"/>
-              </a:spcBef>
-              <a:buChar char="–"/>
-              <a:defRPr>
-                <a:solidFill>
-                  <a:schemeClr val="tx1"/>
-                </a:solidFill>
-                <a:latin typeface="Arial" panose="020B0604020202020204" pitchFamily="34" charset="0"/>
-                <a:ea typeface="ＭＳ Ｐゴシック" panose="020B0600070205080204" pitchFamily="34" charset="-128"/>
-              </a:defRPr>
-            </a:lvl2pPr>
-            <a:lvl3pPr marL="1143000" indent="-228600">
-              <a:spcBef>
-                <a:spcPct val="20000"/>
-              </a:spcBef>
-              <a:buChar char="•"/>
-              <a:defRPr sz="1400">
-                <a:solidFill>
-                  <a:schemeClr val="tx1"/>
-                </a:solidFill>
-                <a:latin typeface="Arial" panose="020B0604020202020204" pitchFamily="34" charset="0"/>
-                <a:ea typeface="ＭＳ Ｐゴシック" panose="020B0600070205080204" pitchFamily="34" charset="-128"/>
-              </a:defRPr>
-            </a:lvl3pPr>
-            <a:lvl4pPr marL="1600200" indent="-228600">
-              <a:spcBef>
-                <a:spcPct val="20000"/>
-              </a:spcBef>
-              <a:buChar char="–"/>
-              <a:defRPr sz="1000">
-                <a:solidFill>
-                  <a:schemeClr val="tx1"/>
-                </a:solidFill>
-                <a:latin typeface="Arial" panose="020B0604020202020204" pitchFamily="34" charset="0"/>
-                <a:ea typeface="ＭＳ Ｐゴシック" panose="020B0600070205080204" pitchFamily="34" charset="-128"/>
-              </a:defRPr>
-            </a:lvl4pPr>
-            <a:lvl5pPr marL="2057400" indent="-228600">
-              <a:spcBef>
-                <a:spcPct val="20000"/>
-              </a:spcBef>
-              <a:buChar char="»"/>
-              <a:defRPr sz="1000">
-                <a:solidFill>
-                  <a:schemeClr val="tx1"/>
-                </a:solidFill>
-                <a:latin typeface="Arial" panose="020B0604020202020204" pitchFamily="34" charset="0"/>
-                <a:ea typeface="ＭＳ Ｐゴシック" panose="020B0600070205080204" pitchFamily="34" charset="-128"/>
-              </a:defRPr>
-            </a:lvl5pPr>
-            <a:lvl6pPr marL="2514600" indent="-228600" eaLnBrk="0" fontAlgn="base" hangingPunct="0">
-              <a:spcBef>
-                <a:spcPct val="20000"/>
-              </a:spcBef>
-              <a:spcAft>
-                <a:spcPct val="0"/>
-              </a:spcAft>
-              <a:buChar char="»"/>
-              <a:defRPr sz="1000">
-                <a:solidFill>
-                  <a:schemeClr val="tx1"/>
-                </a:solidFill>
-                <a:latin typeface="Arial" panose="020B0604020202020204" pitchFamily="34" charset="0"/>
-                <a:ea typeface="ＭＳ Ｐゴシック" panose="020B0600070205080204" pitchFamily="34" charset="-128"/>
-              </a:defRPr>
-            </a:lvl6pPr>
-            <a:lvl7pPr marL="2971800" indent="-228600" eaLnBrk="0" fontAlgn="base" hangingPunct="0">
-              <a:spcBef>
-                <a:spcPct val="20000"/>
-              </a:spcBef>
-              <a:spcAft>
-                <a:spcPct val="0"/>
-              </a:spcAft>
-              <a:buChar char="»"/>
-              <a:defRPr sz="1000">
-                <a:solidFill>
-                  <a:schemeClr val="tx1"/>
-                </a:solidFill>
-                <a:latin typeface="Arial" panose="020B0604020202020204" pitchFamily="34" charset="0"/>
-                <a:ea typeface="ＭＳ Ｐゴシック" panose="020B0600070205080204" pitchFamily="34" charset="-128"/>
-              </a:defRPr>
-            </a:lvl7pPr>
-            <a:lvl8pPr marL="3429000" indent="-228600" eaLnBrk="0" fontAlgn="base" hangingPunct="0">
-              <a:spcBef>
-                <a:spcPct val="20000"/>
-              </a:spcBef>
-              <a:spcAft>
-                <a:spcPct val="0"/>
-              </a:spcAft>
-              <a:buChar char="»"/>
-              <a:defRPr sz="1000">
-                <a:solidFill>
-                  <a:schemeClr val="tx1"/>
-                </a:solidFill>
-                <a:latin typeface="Arial" panose="020B0604020202020204" pitchFamily="34" charset="0"/>
-                <a:ea typeface="ＭＳ Ｐゴシック" panose="020B0600070205080204" pitchFamily="34" charset="-128"/>
-              </a:defRPr>
-            </a:lvl8pPr>
-            <a:lvl9pPr marL="3886200" indent="-228600" eaLnBrk="0" fontAlgn="base" hangingPunct="0">
-              <a:spcBef>
-                <a:spcPct val="20000"/>
-              </a:spcBef>
-              <a:spcAft>
-                <a:spcPct val="0"/>
-              </a:spcAft>
-              <a:buChar char="»"/>
-              <a:defRPr sz="1000">
-                <a:solidFill>
-                  <a:schemeClr val="tx1"/>
-                </a:solidFill>
-                <a:latin typeface="Arial" panose="020B0604020202020204" pitchFamily="34" charset="0"/>
-                <a:ea typeface="ＭＳ Ｐゴシック" panose="020B0600070205080204" pitchFamily="34" charset="-128"/>
-              </a:defRPr>
-            </a:lvl9pPr>
-          </a:lstStyle>
-          <a:p>
-            <a:pPr fontAlgn="base">
-              <a:spcBef>
-                <a:spcPct val="0"/>
-              </a:spcBef>
-              <a:spcAft>
-                <a:spcPct val="0"/>
-              </a:spcAft>
-              <a:buNone/>
-            </a:pPr>
-            <a:endParaRPr lang="en-US" altLang="en-US" sz="1800" b="1" dirty="0">
-              <a:solidFill>
-                <a:srgbClr val="000000"/>
-              </a:solidFill>
-            </a:endParaRPr>
-          </a:p>
-        </p:txBody>
-      </p:sp>
-      <p:grpSp>
-        <p:nvGrpSpPr>
-          <p:cNvPr id="3" name="Group 2">
-            <a:extLst>
-              <a:ext uri="{FF2B5EF4-FFF2-40B4-BE49-F238E27FC236}">
-                <a16:creationId xmlns:a16="http://schemas.microsoft.com/office/drawing/2014/main" id="{E3428EE8-5AE5-46F7-8632-8B6F4CDAAA23}"/>
-              </a:ext>
-            </a:extLst>
-          </p:cNvPr>
-          <p:cNvGrpSpPr/>
-          <p:nvPr/>
-        </p:nvGrpSpPr>
-        <p:grpSpPr>
-          <a:xfrm>
-            <a:off x="4034175" y="4820448"/>
-            <a:ext cx="6957377" cy="680932"/>
-            <a:chOff x="4053841" y="4178723"/>
-            <a:chExt cx="6957377" cy="680932"/>
-          </a:xfrm>
-        </p:grpSpPr>
-        <p:sp>
-          <p:nvSpPr>
-            <p:cNvPr id="60" name="TextBox 59">
-              <a:extLst>
-                <a:ext uri="{FF2B5EF4-FFF2-40B4-BE49-F238E27FC236}">
-                  <a16:creationId xmlns:a16="http://schemas.microsoft.com/office/drawing/2014/main" id="{7BBD5DD0-2138-4734-AE2B-0B42A410A06D}"/>
-                </a:ext>
-              </a:extLst>
-            </p:cNvPr>
-            <p:cNvSpPr txBox="1">
-              <a:spLocks noChangeArrowheads="1"/>
-            </p:cNvSpPr>
-            <p:nvPr/>
-          </p:nvSpPr>
-          <p:spPr bwMode="auto">
-            <a:xfrm>
-              <a:off x="5980115" y="4491355"/>
-              <a:ext cx="1571062" cy="368300"/>
-            </a:xfrm>
-            <a:prstGeom prst="rect">
-              <a:avLst/>
-            </a:prstGeom>
-            <a:solidFill>
-              <a:srgbClr val="F2EECE"/>
-            </a:solidFill>
-            <a:ln w="28575">
-              <a:solidFill>
-                <a:schemeClr val="tx1">
-                  <a:lumMod val="50000"/>
-                  <a:lumOff val="50000"/>
-                </a:schemeClr>
-              </a:solidFill>
-              <a:miter lim="800000"/>
-              <a:headEnd/>
-              <a:tailEnd/>
-            </a:ln>
-          </p:spPr>
-          <p:txBody>
-            <a:bodyPr wrap="square">
-              <a:spAutoFit/>
-            </a:bodyPr>
-            <a:lstStyle>
-              <a:lvl1pPr eaLnBrk="0" hangingPunct="0">
-                <a:defRPr sz="2400" b="1">
-                  <a:solidFill>
-                    <a:schemeClr val="tx1"/>
-                  </a:solidFill>
-                  <a:latin typeface="Arial" charset="0"/>
-                  <a:ea typeface="ＭＳ Ｐゴシック" pitchFamily="34" charset="-128"/>
-                </a:defRPr>
-              </a:lvl1pPr>
-              <a:lvl2pPr marL="742950" indent="-285750" eaLnBrk="0" hangingPunct="0">
-                <a:defRPr sz="2400" b="1">
-                  <a:solidFill>
-                    <a:schemeClr val="tx1"/>
-                  </a:solidFill>
-                  <a:latin typeface="Arial" charset="0"/>
-                  <a:ea typeface="ＭＳ Ｐゴシック" pitchFamily="34" charset="-128"/>
-                </a:defRPr>
-              </a:lvl2pPr>
-              <a:lvl3pPr marL="1143000" indent="-228600" eaLnBrk="0" hangingPunct="0">
-                <a:defRPr sz="2400" b="1">
-                  <a:solidFill>
-                    <a:schemeClr val="tx1"/>
-                  </a:solidFill>
-                  <a:latin typeface="Arial" charset="0"/>
-                  <a:ea typeface="ＭＳ Ｐゴシック" pitchFamily="34" charset="-128"/>
-                </a:defRPr>
-              </a:lvl3pPr>
-              <a:lvl4pPr marL="1600200" indent="-228600" eaLnBrk="0" hangingPunct="0">
-                <a:defRPr sz="2400" b="1">
-                  <a:solidFill>
-                    <a:schemeClr val="tx1"/>
-                  </a:solidFill>
-                  <a:latin typeface="Arial" charset="0"/>
-                  <a:ea typeface="ＭＳ Ｐゴシック" pitchFamily="34" charset="-128"/>
-                </a:defRPr>
-              </a:lvl4pPr>
-              <a:lvl5pPr marL="2057400" indent="-228600" eaLnBrk="0" hangingPunct="0">
-                <a:defRPr sz="2400" b="1">
-                  <a:solidFill>
-                    <a:schemeClr val="tx1"/>
-                  </a:solidFill>
-                  <a:latin typeface="Arial" charset="0"/>
-                  <a:ea typeface="ＭＳ Ｐゴシック" pitchFamily="34" charset="-128"/>
-                </a:defRPr>
-              </a:lvl5pPr>
-              <a:lvl6pPr marL="2514600" indent="-228600" eaLnBrk="0" fontAlgn="base" hangingPunct="0">
-                <a:spcBef>
-                  <a:spcPct val="0"/>
-                </a:spcBef>
-                <a:spcAft>
-                  <a:spcPct val="0"/>
-                </a:spcAft>
-                <a:defRPr sz="2400" b="1">
-                  <a:solidFill>
-                    <a:schemeClr val="tx1"/>
-                  </a:solidFill>
-                  <a:latin typeface="Arial" charset="0"/>
-                  <a:ea typeface="ＭＳ Ｐゴシック" pitchFamily="34" charset="-128"/>
-                </a:defRPr>
-              </a:lvl6pPr>
-              <a:lvl7pPr marL="2971800" indent="-228600" eaLnBrk="0" fontAlgn="base" hangingPunct="0">
-                <a:spcBef>
-                  <a:spcPct val="0"/>
-                </a:spcBef>
-                <a:spcAft>
-                  <a:spcPct val="0"/>
-                </a:spcAft>
-                <a:defRPr sz="2400" b="1">
-                  <a:solidFill>
-                    <a:schemeClr val="tx1"/>
-                  </a:solidFill>
-                  <a:latin typeface="Arial" charset="0"/>
-                  <a:ea typeface="ＭＳ Ｐゴシック" pitchFamily="34" charset="-128"/>
-                </a:defRPr>
-              </a:lvl7pPr>
-              <a:lvl8pPr marL="3429000" indent="-228600" eaLnBrk="0" fontAlgn="base" hangingPunct="0">
-                <a:spcBef>
-                  <a:spcPct val="0"/>
-                </a:spcBef>
-                <a:spcAft>
-                  <a:spcPct val="0"/>
-                </a:spcAft>
-                <a:defRPr sz="2400" b="1">
-                  <a:solidFill>
-                    <a:schemeClr val="tx1"/>
-                  </a:solidFill>
-                  <a:latin typeface="Arial" charset="0"/>
-                  <a:ea typeface="ＭＳ Ｐゴシック" pitchFamily="34" charset="-128"/>
-                </a:defRPr>
-              </a:lvl8pPr>
-              <a:lvl9pPr marL="3886200" indent="-228600" eaLnBrk="0" fontAlgn="base" hangingPunct="0">
-                <a:spcBef>
-                  <a:spcPct val="0"/>
-                </a:spcBef>
-                <a:spcAft>
-                  <a:spcPct val="0"/>
-                </a:spcAft>
-                <a:defRPr sz="2400" b="1">
-                  <a:solidFill>
-                    <a:schemeClr val="tx1"/>
-                  </a:solidFill>
-                  <a:latin typeface="Arial" charset="0"/>
-                  <a:ea typeface="ＭＳ Ｐゴシック" pitchFamily="34" charset="-128"/>
-                </a:defRPr>
-              </a:lvl9pPr>
-            </a:lstStyle>
-            <a:p>
-              <a:pPr eaLnBrk="1" fontAlgn="base" hangingPunct="1">
-                <a:spcBef>
-                  <a:spcPct val="0"/>
-                </a:spcBef>
-                <a:spcAft>
-                  <a:spcPct val="0"/>
-                </a:spcAft>
-                <a:defRPr/>
-              </a:pPr>
-              <a:r>
-                <a:rPr lang="en-US" altLang="en-US" sz="900" dirty="0">
-                  <a:solidFill>
-                    <a:srgbClr val="000000"/>
-                  </a:solidFill>
-                  <a:latin typeface="Arial" panose="020B0604020202020204" pitchFamily="34" charset="0"/>
-                  <a:cs typeface="Arial" panose="020B0604020202020204" pitchFamily="34" charset="0"/>
-                </a:rPr>
-                <a:t>Tool Scope Name</a:t>
-              </a:r>
-              <a:r>
-                <a:rPr lang="en-US" altLang="en-US" sz="900" b="0" dirty="0">
-                  <a:solidFill>
-                    <a:srgbClr val="000000"/>
-                  </a:solidFill>
-                  <a:latin typeface="Arial" panose="020B0604020202020204" pitchFamily="34" charset="0"/>
-                  <a:cs typeface="Arial" panose="020B0604020202020204" pitchFamily="34" charset="0"/>
-                </a:rPr>
-                <a:t> and </a:t>
-              </a:r>
-              <a:r>
-                <a:rPr lang="en-US" altLang="en-US" sz="900" dirty="0">
-                  <a:solidFill>
-                    <a:srgbClr val="000000"/>
-                  </a:solidFill>
-                  <a:latin typeface="Arial" panose="020B0604020202020204" pitchFamily="34" charset="0"/>
-                  <a:cs typeface="Arial" panose="020B0604020202020204" pitchFamily="34" charset="0"/>
-                </a:rPr>
-                <a:t>Home Title </a:t>
-              </a:r>
-              <a:r>
-                <a:rPr lang="en-US" altLang="en-US" sz="900" b="0" dirty="0">
-                  <a:solidFill>
-                    <a:srgbClr val="000000"/>
-                  </a:solidFill>
-                  <a:latin typeface="Arial" panose="020B0604020202020204" pitchFamily="34" charset="0"/>
-                  <a:cs typeface="Arial" panose="020B0604020202020204" pitchFamily="34" charset="0"/>
-                </a:rPr>
-                <a:t>are</a:t>
-              </a:r>
-              <a:r>
-                <a:rPr lang="en-US" altLang="en-US" sz="900" dirty="0">
-                  <a:solidFill>
-                    <a:srgbClr val="000000"/>
-                  </a:solidFill>
-                  <a:latin typeface="Arial" panose="020B0604020202020204" pitchFamily="34" charset="0"/>
-                  <a:cs typeface="Arial" panose="020B0604020202020204" pitchFamily="34" charset="0"/>
-                </a:rPr>
-                <a:t> displayed.</a:t>
-              </a:r>
-              <a:endParaRPr lang="en-US" altLang="ja-JP" sz="900" b="0" dirty="0">
-                <a:solidFill>
-                  <a:srgbClr val="000000"/>
-                </a:solidFill>
-                <a:latin typeface="Arial" panose="020B0604020202020204" pitchFamily="34" charset="0"/>
-                <a:cs typeface="Arial" panose="020B0604020202020204" pitchFamily="34" charset="0"/>
-              </a:endParaRPr>
-            </a:p>
-          </p:txBody>
-        </p:sp>
-        <p:sp>
-          <p:nvSpPr>
-            <p:cNvPr id="61" name="Oval 60">
-              <a:extLst>
-                <a:ext uri="{FF2B5EF4-FFF2-40B4-BE49-F238E27FC236}">
-                  <a16:creationId xmlns:a16="http://schemas.microsoft.com/office/drawing/2014/main" id="{524F9625-E9FB-453E-9AE0-A5395D98374F}"/>
-                </a:ext>
-              </a:extLst>
-            </p:cNvPr>
-            <p:cNvSpPr>
-              <a:spLocks noChangeArrowheads="1"/>
-            </p:cNvSpPr>
-            <p:nvPr/>
-          </p:nvSpPr>
-          <p:spPr bwMode="auto">
-            <a:xfrm>
-              <a:off x="5843589" y="4315143"/>
-              <a:ext cx="263525" cy="260350"/>
-            </a:xfrm>
-            <a:prstGeom prst="ellipse">
-              <a:avLst/>
-            </a:prstGeom>
-            <a:solidFill>
-              <a:srgbClr val="002060"/>
-            </a:solidFill>
-            <a:ln w="9525">
-              <a:solidFill>
-                <a:schemeClr val="bg1"/>
-              </a:solidFill>
-              <a:round/>
-              <a:headEnd/>
-              <a:tailEnd/>
-            </a:ln>
-            <a:effectLst>
-              <a:outerShdw blurRad="50800" dist="38100" dir="5400000" algn="t" rotWithShape="0">
-                <a:srgbClr val="808080">
-                  <a:alpha val="39998"/>
-                </a:srgbClr>
-              </a:outerShdw>
-            </a:effectLst>
-          </p:spPr>
-          <p:txBody>
-            <a:bodyPr lIns="0" tIns="0" rIns="0" bIns="0" anchor="ctr"/>
-            <a:lstStyle/>
-            <a:p>
-              <a:pPr algn="ctr" fontAlgn="base">
-                <a:spcBef>
-                  <a:spcPct val="0"/>
-                </a:spcBef>
-                <a:spcAft>
-                  <a:spcPct val="0"/>
-                </a:spcAft>
-                <a:defRPr/>
-              </a:pPr>
-              <a:r>
-                <a:rPr lang="en-US" sz="900" b="1" dirty="0">
-                  <a:solidFill>
-                    <a:srgbClr val="FFFFFF"/>
-                  </a:solidFill>
-                  <a:latin typeface="Franklin Gothic Demi"/>
-                  <a:ea typeface="ＭＳ Ｐゴシック" panose="020B0600070205080204" pitchFamily="34" charset="-128"/>
-                </a:rPr>
-                <a:t>4</a:t>
-              </a:r>
-            </a:p>
-          </p:txBody>
-        </p:sp>
-        <p:cxnSp>
-          <p:nvCxnSpPr>
-            <p:cNvPr id="5135" name="Straight Connector 58">
-              <a:extLst>
-                <a:ext uri="{FF2B5EF4-FFF2-40B4-BE49-F238E27FC236}">
-                  <a16:creationId xmlns:a16="http://schemas.microsoft.com/office/drawing/2014/main" id="{298BD9CD-7E5A-435E-B400-F0D5E0E5905D}"/>
-                </a:ext>
-              </a:extLst>
-            </p:cNvPr>
-            <p:cNvCxnSpPr>
-              <a:cxnSpLocks noChangeShapeType="1"/>
-            </p:cNvCxnSpPr>
-            <p:nvPr/>
-          </p:nvCxnSpPr>
-          <p:spPr bwMode="auto">
-            <a:xfrm flipH="1">
-              <a:off x="4053841" y="4654868"/>
-              <a:ext cx="1926274" cy="0"/>
-            </a:xfrm>
-            <a:prstGeom prst="line">
-              <a:avLst/>
-            </a:prstGeom>
-            <a:noFill/>
-            <a:ln w="28575">
-              <a:solidFill>
-                <a:srgbClr val="7F7F7F"/>
-              </a:solidFill>
-              <a:round/>
-              <a:headEnd/>
-              <a:tailEnd type="oval" w="med" len="med"/>
-            </a:ln>
-            <a:effectLst/>
-            <a:extLst>
-              <a:ext uri="{909E8E84-426E-40DD-AFC4-6F175D3DCCD1}">
-                <a14:hiddenFill xmlns:a14="http://schemas.microsoft.com/office/drawing/2010/main">
-                  <a:noFill/>
-                </a14:hiddenFill>
-              </a:ext>
-              <a:ext uri="{AF507438-7753-43E0-B8FC-AC1667EBCBE1}">
-                <a14:hiddenEffects xmlns:a14="http://schemas.microsoft.com/office/drawing/2010/main">
-                  <a:effectLst>
-                    <a:outerShdw dist="35921" dir="2700000" algn="ctr" rotWithShape="0">
-                      <a:schemeClr val="bg2"/>
-                    </a:outerShdw>
-                  </a:effectLst>
-                </a14:hiddenEffects>
-              </a:ext>
-            </a:extLst>
-          </p:spPr>
-        </p:cxnSp>
-        <p:cxnSp>
-          <p:nvCxnSpPr>
-            <p:cNvPr id="5136" name="Straight Connector 31">
-              <a:extLst>
-                <a:ext uri="{FF2B5EF4-FFF2-40B4-BE49-F238E27FC236}">
-                  <a16:creationId xmlns:a16="http://schemas.microsoft.com/office/drawing/2014/main" id="{CB7A5DE8-C42C-4529-8498-1470C5189D1D}"/>
-                </a:ext>
-              </a:extLst>
-            </p:cNvPr>
-            <p:cNvCxnSpPr>
-              <a:cxnSpLocks noChangeShapeType="1"/>
-            </p:cNvCxnSpPr>
-            <p:nvPr/>
-          </p:nvCxnSpPr>
-          <p:spPr bwMode="auto">
-            <a:xfrm flipH="1">
-              <a:off x="7552514" y="4646731"/>
-              <a:ext cx="3458704" cy="0"/>
-            </a:xfrm>
-            <a:prstGeom prst="line">
-              <a:avLst/>
-            </a:prstGeom>
-            <a:noFill/>
-            <a:ln w="28575">
-              <a:solidFill>
-                <a:srgbClr val="7F7F7F"/>
-              </a:solidFill>
-              <a:round/>
-              <a:headEnd/>
-              <a:tailEnd/>
-            </a:ln>
-            <a:effectLst/>
-            <a:extLst>
-              <a:ext uri="{909E8E84-426E-40DD-AFC4-6F175D3DCCD1}">
-                <a14:hiddenFill xmlns:a14="http://schemas.microsoft.com/office/drawing/2010/main">
-                  <a:noFill/>
-                </a14:hiddenFill>
-              </a:ext>
-              <a:ext uri="{AF507438-7753-43E0-B8FC-AC1667EBCBE1}">
-                <a14:hiddenEffects xmlns:a14="http://schemas.microsoft.com/office/drawing/2010/main">
-                  <a:effectLst>
-                    <a:outerShdw dist="35921" dir="2700000" algn="ctr" rotWithShape="0">
-                      <a:schemeClr val="bg2"/>
-                    </a:outerShdw>
-                  </a:effectLst>
-                </a14:hiddenEffects>
-              </a:ext>
-            </a:extLst>
-          </p:spPr>
-        </p:cxnSp>
-        <p:cxnSp>
-          <p:nvCxnSpPr>
-            <p:cNvPr id="5137" name="Straight Connector 58">
-              <a:extLst>
-                <a:ext uri="{FF2B5EF4-FFF2-40B4-BE49-F238E27FC236}">
-                  <a16:creationId xmlns:a16="http://schemas.microsoft.com/office/drawing/2014/main" id="{9978623F-404A-4C53-92F0-D469AC728235}"/>
-                </a:ext>
-              </a:extLst>
-            </p:cNvPr>
-            <p:cNvCxnSpPr>
-              <a:cxnSpLocks noChangeShapeType="1"/>
-            </p:cNvCxnSpPr>
-            <p:nvPr/>
-          </p:nvCxnSpPr>
-          <p:spPr bwMode="auto">
-            <a:xfrm flipV="1">
-              <a:off x="11011218" y="4178723"/>
-              <a:ext cx="0" cy="477840"/>
-            </a:xfrm>
-            <a:prstGeom prst="line">
-              <a:avLst/>
-            </a:prstGeom>
-            <a:noFill/>
-            <a:ln w="28575">
-              <a:solidFill>
-                <a:srgbClr val="7F7F7F"/>
-              </a:solidFill>
-              <a:round/>
-              <a:headEnd/>
-              <a:tailEnd type="oval" w="med" len="med"/>
-            </a:ln>
-            <a:effectLst/>
-            <a:extLst>
-              <a:ext uri="{909E8E84-426E-40DD-AFC4-6F175D3DCCD1}">
-                <a14:hiddenFill xmlns:a14="http://schemas.microsoft.com/office/drawing/2010/main">
-                  <a:noFill/>
-                </a14:hiddenFill>
-              </a:ext>
-              <a:ext uri="{AF507438-7753-43E0-B8FC-AC1667EBCBE1}">
-                <a14:hiddenEffects xmlns:a14="http://schemas.microsoft.com/office/drawing/2010/main">
-                  <a:effectLst>
-                    <a:outerShdw dist="35921" dir="2700000" algn="ctr" rotWithShape="0">
-                      <a:schemeClr val="bg2"/>
-                    </a:outerShdw>
-                  </a:effectLst>
-                </a14:hiddenEffects>
-              </a:ext>
-            </a:extLst>
-          </p:spPr>
-        </p:cxnSp>
-      </p:grpSp>
       <p:cxnSp>
         <p:nvCxnSpPr>
           <p:cNvPr id="30" name="Connector: Elbow 29">
@@ -6200,7 +5441,7 @@
         </p:nvCxnSpPr>
         <p:spPr bwMode="auto">
           <a:xfrm rot="10800000" flipV="1">
-            <a:off x="7418389" y="1184115"/>
+            <a:off x="7418389" y="1632003"/>
             <a:ext cx="4184248" cy="1453837"/>
           </a:xfrm>
           <a:prstGeom prst="bentConnector3">
@@ -6236,29 +5477,393 @@
           </a:extLst>
         </p:spPr>
       </p:cxnSp>
+      <p:pic>
+        <p:nvPicPr>
+          <p:cNvPr id="2" name="Picture 1">
+            <a:extLst>
+              <a:ext uri="{FF2B5EF4-FFF2-40B4-BE49-F238E27FC236}">
+                <a16:creationId xmlns:a16="http://schemas.microsoft.com/office/drawing/2014/main" id="{FC71C612-D085-4B2C-84CB-FC8A60D72F92}"/>
+              </a:ext>
+            </a:extLst>
+          </p:cNvPr>
+          <p:cNvPicPr>
+            <a:picLocks noChangeAspect="1"/>
+          </p:cNvPicPr>
+          <p:nvPr/>
+        </p:nvPicPr>
+        <p:blipFill>
+          <a:blip r:embed="rId5"/>
+          <a:stretch>
+            <a:fillRect/>
+          </a:stretch>
+        </p:blipFill>
+        <p:spPr>
+          <a:xfrm>
+            <a:off x="9936526" y="1527864"/>
+            <a:ext cx="1666111" cy="173377"/>
+          </a:xfrm>
+          <a:prstGeom prst="rect">
+            <a:avLst/>
+          </a:prstGeom>
+        </p:spPr>
+      </p:pic>
+      <p:grpSp>
+        <p:nvGrpSpPr>
+          <p:cNvPr id="7" name="Group 6">
+            <a:extLst>
+              <a:ext uri="{FF2B5EF4-FFF2-40B4-BE49-F238E27FC236}">
+                <a16:creationId xmlns:a16="http://schemas.microsoft.com/office/drawing/2014/main" id="{6DEFA01B-136E-401A-810B-0AEC6DF68C8E}"/>
+              </a:ext>
+            </a:extLst>
+          </p:cNvPr>
+          <p:cNvGrpSpPr/>
+          <p:nvPr/>
+        </p:nvGrpSpPr>
+        <p:grpSpPr>
+          <a:xfrm>
+            <a:off x="64162" y="56872"/>
+            <a:ext cx="6537668" cy="1338828"/>
+            <a:chOff x="64162" y="56872"/>
+            <a:chExt cx="6537668" cy="1338828"/>
+          </a:xfrm>
+        </p:grpSpPr>
+        <p:sp>
+          <p:nvSpPr>
+            <p:cNvPr id="33" name="TextBox 32">
+              <a:extLst>
+                <a:ext uri="{FF2B5EF4-FFF2-40B4-BE49-F238E27FC236}">
+                  <a16:creationId xmlns:a16="http://schemas.microsoft.com/office/drawing/2014/main" id="{5DD6F83D-6CCC-4DB8-B19B-0168001B852E}"/>
+                </a:ext>
+              </a:extLst>
+            </p:cNvPr>
+            <p:cNvSpPr txBox="1"/>
+            <p:nvPr/>
+          </p:nvSpPr>
+          <p:spPr>
+            <a:xfrm>
+              <a:off x="64162" y="56872"/>
+              <a:ext cx="6537668" cy="1338828"/>
+            </a:xfrm>
+            <a:prstGeom prst="rect">
+              <a:avLst/>
+            </a:prstGeom>
+            <a:solidFill>
+              <a:schemeClr val="accent6">
+                <a:lumMod val="20000"/>
+                <a:lumOff val="80000"/>
+              </a:schemeClr>
+            </a:solidFill>
+            <a:ln w="28575">
+              <a:solidFill>
+                <a:schemeClr val="bg1">
+                  <a:lumMod val="50000"/>
+                </a:schemeClr>
+              </a:solidFill>
+            </a:ln>
+          </p:spPr>
+          <p:txBody>
+            <a:bodyPr wrap="square" rtlCol="0">
+              <a:spAutoFit/>
+            </a:bodyPr>
+            <a:lstStyle/>
+            <a:p>
+              <a:r>
+                <a:rPr lang="en-US" sz="900" dirty="0">
+                  <a:latin typeface="Arial" panose="020B0604020202020204" pitchFamily="34" charset="0"/>
+                  <a:cs typeface="Arial" panose="020B0604020202020204" pitchFamily="34" charset="0"/>
+                </a:rPr>
+                <a:t>The </a:t>
+              </a:r>
+              <a:r>
+                <a:rPr lang="en-US" sz="900" b="1" dirty="0">
+                  <a:latin typeface="Arial" panose="020B0604020202020204" pitchFamily="34" charset="0"/>
+                  <a:cs typeface="Arial" panose="020B0604020202020204" pitchFamily="34" charset="0"/>
+                </a:rPr>
+                <a:t>Tool Scope </a:t>
+              </a:r>
+              <a:r>
+                <a:rPr lang="en-US" sz="900" dirty="0">
+                  <a:latin typeface="Arial" panose="020B0604020202020204" pitchFamily="34" charset="0"/>
+                  <a:cs typeface="Arial" panose="020B0604020202020204" pitchFamily="34" charset="0"/>
+                </a:rPr>
+                <a:t>is used to organize testing tools into user-defined categories. A Tool Scope creator can apply any Tool Scope name that indicates the category of the tools being created. </a:t>
+              </a:r>
+            </a:p>
+            <a:p>
+              <a:endParaRPr lang="en-US" sz="900" dirty="0">
+                <a:latin typeface="Arial" panose="020B0604020202020204" pitchFamily="34" charset="0"/>
+                <a:cs typeface="Arial" panose="020B0604020202020204" pitchFamily="34" charset="0"/>
+              </a:endParaRPr>
+            </a:p>
+            <a:p>
+              <a:r>
+                <a:rPr lang="en-US" sz="900" dirty="0">
+                  <a:latin typeface="Arial" panose="020B0604020202020204" pitchFamily="34" charset="0"/>
+                  <a:cs typeface="Arial" panose="020B0604020202020204" pitchFamily="34" charset="0"/>
+                </a:rPr>
+                <a:t>A Tool Scope may be    </a:t>
+              </a:r>
+              <a:r>
+                <a:rPr lang="en-US" sz="900" b="1" dirty="0">
+                  <a:latin typeface="Arial" panose="020B0604020202020204" pitchFamily="34" charset="0"/>
+                  <a:cs typeface="Arial" panose="020B0604020202020204" pitchFamily="34" charset="0"/>
+                </a:rPr>
+                <a:t>Private</a:t>
+              </a:r>
+              <a:r>
+                <a:rPr lang="en-US" sz="900" dirty="0">
+                  <a:latin typeface="Arial" panose="020B0604020202020204" pitchFamily="34" charset="0"/>
+                  <a:cs typeface="Arial" panose="020B0604020202020204" pitchFamily="34" charset="0"/>
+                </a:rPr>
+                <a:t> (available for use only by the registered GVT User who created the Tool Scope) or     </a:t>
+              </a:r>
+              <a:r>
+                <a:rPr lang="en-US" sz="900" b="1" dirty="0">
+                  <a:latin typeface="Arial" panose="020B0604020202020204" pitchFamily="34" charset="0"/>
+                  <a:cs typeface="Arial" panose="020B0604020202020204" pitchFamily="34" charset="0"/>
+                </a:rPr>
+                <a:t>Public</a:t>
+              </a:r>
+              <a:r>
+                <a:rPr lang="en-US" sz="900" dirty="0">
+                  <a:latin typeface="Arial" panose="020B0604020202020204" pitchFamily="34" charset="0"/>
+                  <a:cs typeface="Arial" panose="020B0604020202020204" pitchFamily="34" charset="0"/>
+                </a:rPr>
+                <a:t> (available for use by all GVT Users).</a:t>
+              </a:r>
+            </a:p>
+            <a:p>
+              <a:endParaRPr lang="en-US" sz="900" dirty="0">
+                <a:latin typeface="Arial" panose="020B0604020202020204" pitchFamily="34" charset="0"/>
+                <a:cs typeface="Arial" panose="020B0604020202020204" pitchFamily="34" charset="0"/>
+              </a:endParaRPr>
+            </a:p>
+            <a:p>
+              <a:r>
+                <a:rPr lang="en-US" sz="900" dirty="0">
+                  <a:latin typeface="Arial" panose="020B0604020202020204" pitchFamily="34" charset="0"/>
+                  <a:cs typeface="Arial" panose="020B0604020202020204" pitchFamily="34" charset="0"/>
+                </a:rPr>
+                <a:t>When a registered user logs in to GVT, the dropdown Tool Scope menu displays “</a:t>
+              </a:r>
+              <a:r>
+                <a:rPr lang="en-US" sz="900" b="1" dirty="0">
+                  <a:latin typeface="Arial" panose="020B0604020202020204" pitchFamily="34" charset="0"/>
+                  <a:cs typeface="Arial" panose="020B0604020202020204" pitchFamily="34" charset="0"/>
+                </a:rPr>
+                <a:t>My Tool Scopes</a:t>
+              </a:r>
+              <a:r>
+                <a:rPr lang="en-US" sz="900" dirty="0">
+                  <a:latin typeface="Arial" panose="020B0604020202020204" pitchFamily="34" charset="0"/>
+                  <a:cs typeface="Arial" panose="020B0604020202020204" pitchFamily="34" charset="0"/>
+                </a:rPr>
+                <a:t>” (i.e., both </a:t>
+              </a:r>
+              <a:r>
+                <a:rPr lang="en-US" sz="900" b="1" dirty="0">
+                  <a:latin typeface="Arial" panose="020B0604020202020204" pitchFamily="34" charset="0"/>
+                  <a:cs typeface="Arial" panose="020B0604020202020204" pitchFamily="34" charset="0"/>
+                </a:rPr>
+                <a:t>Private</a:t>
+              </a:r>
+              <a:r>
+                <a:rPr lang="en-US" sz="900" dirty="0">
+                  <a:latin typeface="Arial" panose="020B0604020202020204" pitchFamily="34" charset="0"/>
+                  <a:cs typeface="Arial" panose="020B0604020202020204" pitchFamily="34" charset="0"/>
+                </a:rPr>
+                <a:t> </a:t>
+              </a:r>
+              <a:r>
+                <a:rPr lang="en-US" sz="900" b="1" dirty="0">
+                  <a:latin typeface="Arial" panose="020B0604020202020204" pitchFamily="34" charset="0"/>
+                  <a:cs typeface="Arial" panose="020B0604020202020204" pitchFamily="34" charset="0"/>
+                </a:rPr>
+                <a:t>and</a:t>
+              </a:r>
+              <a:r>
+                <a:rPr lang="en-US" sz="900" dirty="0">
+                  <a:latin typeface="Arial" panose="020B0604020202020204" pitchFamily="34" charset="0"/>
+                  <a:cs typeface="Arial" panose="020B0604020202020204" pitchFamily="34" charset="0"/>
+                </a:rPr>
+                <a:t> </a:t>
+              </a:r>
+              <a:r>
+                <a:rPr lang="en-US" sz="900" b="1" dirty="0">
+                  <a:latin typeface="Arial" panose="020B0604020202020204" pitchFamily="34" charset="0"/>
+                  <a:cs typeface="Arial" panose="020B0604020202020204" pitchFamily="34" charset="0"/>
+                </a:rPr>
+                <a:t>Public</a:t>
+              </a:r>
+              <a:r>
+                <a:rPr lang="en-US" sz="900" dirty="0">
+                  <a:latin typeface="Arial" panose="020B0604020202020204" pitchFamily="34" charset="0"/>
+                  <a:cs typeface="Arial" panose="020B0604020202020204" pitchFamily="34" charset="0"/>
+                </a:rPr>
+                <a:t> Tool Scopes created by the logged in registered user who created the Tool Scopes) and “</a:t>
+              </a:r>
+              <a:r>
+                <a:rPr lang="en-US" sz="900" b="1" dirty="0">
+                  <a:latin typeface="Arial" panose="020B0604020202020204" pitchFamily="34" charset="0"/>
+                  <a:cs typeface="Arial" panose="020B0604020202020204" pitchFamily="34" charset="0"/>
+                </a:rPr>
+                <a:t>Others Tool Scopes</a:t>
+              </a:r>
+              <a:r>
+                <a:rPr lang="en-US" sz="900" dirty="0">
+                  <a:latin typeface="Arial" panose="020B0604020202020204" pitchFamily="34" charset="0"/>
+                  <a:cs typeface="Arial" panose="020B0604020202020204" pitchFamily="34" charset="0"/>
+                </a:rPr>
+                <a:t>” (i.e., </a:t>
+              </a:r>
+              <a:r>
+                <a:rPr lang="en-US" sz="900" b="1" dirty="0">
+                  <a:latin typeface="Arial" panose="020B0604020202020204" pitchFamily="34" charset="0"/>
+                  <a:cs typeface="Arial" panose="020B0604020202020204" pitchFamily="34" charset="0"/>
+                </a:rPr>
+                <a:t>Public</a:t>
+              </a:r>
+              <a:r>
+                <a:rPr lang="en-US" sz="900" dirty="0">
+                  <a:latin typeface="Arial" panose="020B0604020202020204" pitchFamily="34" charset="0"/>
+                  <a:cs typeface="Arial" panose="020B0604020202020204" pitchFamily="34" charset="0"/>
+                </a:rPr>
+                <a:t> Tool Scopes created by users other than the logged in registered user).</a:t>
+              </a:r>
+            </a:p>
+          </p:txBody>
+        </p:sp>
+        <p:sp>
+          <p:nvSpPr>
+            <p:cNvPr id="6" name="Oval 5">
+              <a:extLst>
+                <a:ext uri="{FF2B5EF4-FFF2-40B4-BE49-F238E27FC236}">
+                  <a16:creationId xmlns:a16="http://schemas.microsoft.com/office/drawing/2014/main" id="{B3061F73-48E5-40DB-8E24-46C41963321E}"/>
+                </a:ext>
+              </a:extLst>
+            </p:cNvPr>
+            <p:cNvSpPr/>
+            <p:nvPr/>
+          </p:nvSpPr>
+          <p:spPr>
+            <a:xfrm>
+              <a:off x="1267407" y="541687"/>
+              <a:ext cx="76200" cy="84283"/>
+            </a:xfrm>
+            <a:prstGeom prst="ellipse">
+              <a:avLst/>
+            </a:prstGeom>
+            <a:solidFill>
+              <a:srgbClr val="FF0000"/>
+            </a:solidFill>
+            <a:ln>
+              <a:solidFill>
+                <a:srgbClr val="FF0000"/>
+              </a:solidFill>
+            </a:ln>
+          </p:spPr>
+          <p:style>
+            <a:lnRef idx="2">
+              <a:schemeClr val="accent1">
+                <a:shade val="50000"/>
+              </a:schemeClr>
+            </a:lnRef>
+            <a:fillRef idx="1">
+              <a:schemeClr val="accent1"/>
+            </a:fillRef>
+            <a:effectRef idx="0">
+              <a:schemeClr val="accent1"/>
+            </a:effectRef>
+            <a:fontRef idx="minor">
+              <a:schemeClr val="lt1"/>
+            </a:fontRef>
+          </p:style>
+          <p:txBody>
+            <a:bodyPr rtlCol="0" anchor="ctr"/>
+            <a:lstStyle/>
+            <a:p>
+              <a:pPr algn="ctr"/>
+              <a:endParaRPr lang="en-US"/>
+            </a:p>
+          </p:txBody>
+        </p:sp>
+        <p:sp>
+          <p:nvSpPr>
+            <p:cNvPr id="35" name="Oval 34">
+              <a:extLst>
+                <a:ext uri="{FF2B5EF4-FFF2-40B4-BE49-F238E27FC236}">
+                  <a16:creationId xmlns:a16="http://schemas.microsoft.com/office/drawing/2014/main" id="{23198C23-5DD3-4C38-BD8F-0D0F84B3DA01}"/>
+                </a:ext>
+              </a:extLst>
+            </p:cNvPr>
+            <p:cNvSpPr/>
+            <p:nvPr/>
+          </p:nvSpPr>
+          <p:spPr>
+            <a:xfrm>
+              <a:off x="6000911" y="541515"/>
+              <a:ext cx="76200" cy="84283"/>
+            </a:xfrm>
+            <a:prstGeom prst="ellipse">
+              <a:avLst/>
+            </a:prstGeom>
+            <a:solidFill>
+              <a:srgbClr val="00B050"/>
+            </a:solidFill>
+            <a:ln>
+              <a:solidFill>
+                <a:srgbClr val="00B050"/>
+              </a:solidFill>
+            </a:ln>
+          </p:spPr>
+          <p:style>
+            <a:lnRef idx="2">
+              <a:schemeClr val="accent1">
+                <a:shade val="50000"/>
+              </a:schemeClr>
+            </a:lnRef>
+            <a:fillRef idx="1">
+              <a:schemeClr val="accent1"/>
+            </a:fillRef>
+            <a:effectRef idx="0">
+              <a:schemeClr val="accent1"/>
+            </a:effectRef>
+            <a:fontRef idx="minor">
+              <a:schemeClr val="lt1"/>
+            </a:fontRef>
+          </p:style>
+          <p:txBody>
+            <a:bodyPr rtlCol="0" anchor="ctr"/>
+            <a:lstStyle/>
+            <a:p>
+              <a:pPr algn="ctr"/>
+              <a:endParaRPr lang="en-US"/>
+            </a:p>
+          </p:txBody>
+        </p:sp>
+      </p:grpSp>
       <p:cxnSp>
         <p:nvCxnSpPr>
-          <p:cNvPr id="36" name="Connector: Elbow 35">
-            <a:extLst>
-              <a:ext uri="{FF2B5EF4-FFF2-40B4-BE49-F238E27FC236}">
-                <a16:creationId xmlns:a16="http://schemas.microsoft.com/office/drawing/2014/main" id="{B792234B-6805-4236-B13D-2173416BADF0}"/>
+          <p:cNvPr id="47" name="Connector: Elbow 46">
+            <a:extLst>
+              <a:ext uri="{FF2B5EF4-FFF2-40B4-BE49-F238E27FC236}">
+                <a16:creationId xmlns:a16="http://schemas.microsoft.com/office/drawing/2014/main" id="{7872D563-00EE-41A2-89D8-F39BEB8835CD}"/>
               </a:ext>
             </a:extLst>
           </p:cNvPr>
           <p:cNvCxnSpPr>
             <a:cxnSpLocks/>
-            <a:endCxn id="5132" idx="0"/>
           </p:cNvCxnSpPr>
           <p:nvPr/>
         </p:nvCxnSpPr>
         <p:spPr bwMode="auto">
-          <a:xfrm rot="5400000">
-            <a:off x="6518524" y="4107894"/>
-            <a:ext cx="1047409" cy="6351"/>
+          <a:xfrm rot="16200000" flipH="1">
+            <a:off x="7148071" y="4186387"/>
+            <a:ext cx="977012" cy="624694"/>
           </a:xfrm>
           <a:prstGeom prst="bentConnector3">
             <a:avLst>
-              <a:gd name="adj1" fmla="val 50000"/>
+              <a:gd name="adj1" fmla="val 23260"/>
             </a:avLst>
           </a:prstGeom>
           <a:solidFill>
@@ -6289,113 +5894,782 @@
           </a:extLst>
         </p:spPr>
       </p:cxnSp>
-      <p:sp>
-        <p:nvSpPr>
-          <p:cNvPr id="32" name="TextBox 31">
-            <a:extLst>
-              <a:ext uri="{FF2B5EF4-FFF2-40B4-BE49-F238E27FC236}">
-                <a16:creationId xmlns:a16="http://schemas.microsoft.com/office/drawing/2014/main" id="{120A16EC-0160-4D02-967C-3559990F97F0}"/>
-              </a:ext>
-            </a:extLst>
-          </p:cNvPr>
-          <p:cNvSpPr txBox="1"/>
+      <p:cxnSp>
+        <p:nvCxnSpPr>
+          <p:cNvPr id="56" name="Straight Connector 31">
+            <a:extLst>
+              <a:ext uri="{FF2B5EF4-FFF2-40B4-BE49-F238E27FC236}">
+                <a16:creationId xmlns:a16="http://schemas.microsoft.com/office/drawing/2014/main" id="{19E4B4EF-F423-4CEA-B895-AF745C3DAF1F}"/>
+              </a:ext>
+            </a:extLst>
+          </p:cNvPr>
+          <p:cNvCxnSpPr>
+            <a:cxnSpLocks noChangeShapeType="1"/>
+          </p:cNvCxnSpPr>
           <p:nvPr/>
-        </p:nvSpPr>
-        <p:spPr>
-          <a:xfrm>
-            <a:off x="67140" y="139698"/>
-            <a:ext cx="4448100" cy="784830"/>
+        </p:nvCxnSpPr>
+        <p:spPr bwMode="auto">
+          <a:xfrm flipV="1">
+            <a:off x="8055496" y="3799844"/>
+            <a:ext cx="0" cy="117773"/>
           </a:xfrm>
-          <a:prstGeom prst="rect">
+          <a:prstGeom prst="line">
             <a:avLst/>
           </a:prstGeom>
-          <a:solidFill>
-            <a:schemeClr val="accent6">
-              <a:lumMod val="20000"/>
-              <a:lumOff val="80000"/>
-            </a:schemeClr>
-          </a:solidFill>
+          <a:noFill/>
           <a:ln w="28575">
             <a:solidFill>
-              <a:schemeClr val="bg1">
-                <a:lumMod val="50000"/>
-              </a:schemeClr>
+              <a:srgbClr val="7F7F7F"/>
             </a:solidFill>
+            <a:round/>
+            <a:headEnd/>
+            <a:tailEnd/>
           </a:ln>
+          <a:effectLst/>
+          <a:extLst>
+            <a:ext uri="{909E8E84-426E-40DD-AFC4-6F175D3DCCD1}">
+              <a14:hiddenFill xmlns:a14="http://schemas.microsoft.com/office/drawing/2010/main">
+                <a:noFill/>
+              </a14:hiddenFill>
+            </a:ext>
+            <a:ext uri="{AF507438-7753-43E0-B8FC-AC1667EBCBE1}">
+              <a14:hiddenEffects xmlns:a14="http://schemas.microsoft.com/office/drawing/2010/main">
+                <a:effectLst>
+                  <a:outerShdw dist="35921" dir="2700000" algn="ctr" rotWithShape="0">
+                    <a:schemeClr val="bg2"/>
+                  </a:outerShdw>
+                </a:effectLst>
+              </a14:hiddenEffects>
+            </a:ext>
+          </a:extLst>
         </p:spPr>
-        <p:txBody>
-          <a:bodyPr wrap="square" rtlCol="0">
-            <a:spAutoFit/>
-          </a:bodyPr>
-          <a:lstStyle/>
-          <a:p>
-            <a:r>
-              <a:rPr lang="en-US" sz="900" dirty="0">
-                <a:latin typeface="Arial" panose="020B0604020202020204" pitchFamily="34" charset="0"/>
-                <a:cs typeface="Arial" panose="020B0604020202020204" pitchFamily="34" charset="0"/>
-              </a:rPr>
-              <a:t>The </a:t>
-            </a:r>
-            <a:r>
-              <a:rPr lang="en-US" sz="900" b="1" dirty="0">
-                <a:latin typeface="Arial" panose="020B0604020202020204" pitchFamily="34" charset="0"/>
-                <a:cs typeface="Arial" panose="020B0604020202020204" pitchFamily="34" charset="0"/>
-              </a:rPr>
-              <a:t>Tool Scope </a:t>
-            </a:r>
-            <a:r>
-              <a:rPr lang="en-US" sz="900" dirty="0">
-                <a:latin typeface="Arial" panose="020B0604020202020204" pitchFamily="34" charset="0"/>
-                <a:cs typeface="Arial" panose="020B0604020202020204" pitchFamily="34" charset="0"/>
-              </a:rPr>
-              <a:t>is used to organize testing tools into user-defined categories.</a:t>
-            </a:r>
-          </a:p>
-          <a:p>
-            <a:r>
-              <a:rPr lang="en-US" sz="900" dirty="0">
-                <a:latin typeface="Arial" panose="020B0604020202020204" pitchFamily="34" charset="0"/>
-                <a:cs typeface="Arial" panose="020B0604020202020204" pitchFamily="34" charset="0"/>
-              </a:rPr>
-              <a:t>Any name that indicates the category of the tools being created can be applied to a Tool Scope. Tool Scope mostly is relevant for organizing </a:t>
-            </a:r>
-            <a:r>
-              <a:rPr lang="en-US" sz="900" b="1" dirty="0">
-                <a:latin typeface="Arial" panose="020B0604020202020204" pitchFamily="34" charset="0"/>
-                <a:cs typeface="Arial" panose="020B0604020202020204" pitchFamily="34" charset="0"/>
-              </a:rPr>
-              <a:t>Public</a:t>
-            </a:r>
-            <a:r>
-              <a:rPr lang="en-US" sz="900" dirty="0">
-                <a:latin typeface="Arial" panose="020B0604020202020204" pitchFamily="34" charset="0"/>
-                <a:cs typeface="Arial" panose="020B0604020202020204" pitchFamily="34" charset="0"/>
-              </a:rPr>
-              <a:t> tools available for use by all GVT Users, but is still needed for organizing </a:t>
-            </a:r>
-            <a:r>
-              <a:rPr lang="en-US" sz="900" b="1" dirty="0">
-                <a:latin typeface="Arial" panose="020B0604020202020204" pitchFamily="34" charset="0"/>
-                <a:cs typeface="Arial" panose="020B0604020202020204" pitchFamily="34" charset="0"/>
-              </a:rPr>
-              <a:t>Private</a:t>
-            </a:r>
-            <a:r>
-              <a:rPr lang="en-US" sz="900" dirty="0">
-                <a:latin typeface="Arial" panose="020B0604020202020204" pitchFamily="34" charset="0"/>
-                <a:cs typeface="Arial" panose="020B0604020202020204" pitchFamily="34" charset="0"/>
-              </a:rPr>
-              <a:t> tools available for use only by the registered GVT User who created the tools.</a:t>
-            </a:r>
-          </a:p>
-        </p:txBody>
-      </p:sp>
+      </p:cxnSp>
+      <p:grpSp>
+        <p:nvGrpSpPr>
+          <p:cNvPr id="53" name="Group 52">
+            <a:extLst>
+              <a:ext uri="{FF2B5EF4-FFF2-40B4-BE49-F238E27FC236}">
+                <a16:creationId xmlns:a16="http://schemas.microsoft.com/office/drawing/2014/main" id="{7E5FF111-0ED7-408D-A939-9EA76E015613}"/>
+              </a:ext>
+            </a:extLst>
+          </p:cNvPr>
+          <p:cNvGrpSpPr/>
+          <p:nvPr/>
+        </p:nvGrpSpPr>
+        <p:grpSpPr>
+          <a:xfrm>
+            <a:off x="1534323" y="5040493"/>
+            <a:ext cx="10520828" cy="1682159"/>
+            <a:chOff x="1534323" y="5040493"/>
+            <a:chExt cx="10520828" cy="1682159"/>
+          </a:xfrm>
+        </p:grpSpPr>
+        <p:grpSp>
+          <p:nvGrpSpPr>
+            <p:cNvPr id="29" name="Group 28">
+              <a:extLst>
+                <a:ext uri="{FF2B5EF4-FFF2-40B4-BE49-F238E27FC236}">
+                  <a16:creationId xmlns:a16="http://schemas.microsoft.com/office/drawing/2014/main" id="{3C6F9503-2BE1-4444-BDD8-8B66945F0F20}"/>
+                </a:ext>
+              </a:extLst>
+            </p:cNvPr>
+            <p:cNvGrpSpPr/>
+            <p:nvPr/>
+          </p:nvGrpSpPr>
+          <p:grpSpPr>
+            <a:xfrm>
+              <a:off x="1534323" y="5040493"/>
+              <a:ext cx="10520828" cy="1682159"/>
+              <a:chOff x="1506331" y="5024500"/>
+              <a:chExt cx="10520828" cy="1682159"/>
+            </a:xfrm>
+          </p:grpSpPr>
+          <p:pic>
+            <p:nvPicPr>
+              <p:cNvPr id="28" name="Picture 27">
+                <a:extLst>
+                  <a:ext uri="{FF2B5EF4-FFF2-40B4-BE49-F238E27FC236}">
+                    <a16:creationId xmlns:a16="http://schemas.microsoft.com/office/drawing/2014/main" id="{42E53335-A9CF-457D-A1DF-20C52DA8C143}"/>
+                  </a:ext>
+                </a:extLst>
+              </p:cNvPr>
+              <p:cNvPicPr>
+                <a:picLocks noChangeAspect="1"/>
+              </p:cNvPicPr>
+              <p:nvPr/>
+            </p:nvPicPr>
+            <p:blipFill>
+              <a:blip r:embed="rId6"/>
+              <a:stretch>
+                <a:fillRect/>
+              </a:stretch>
+            </p:blipFill>
+            <p:spPr>
+              <a:xfrm>
+                <a:off x="1506331" y="5024500"/>
+                <a:ext cx="10511759" cy="1629516"/>
+              </a:xfrm>
+              <a:prstGeom prst="rect">
+                <a:avLst/>
+              </a:prstGeom>
+            </p:spPr>
+          </p:pic>
+          <p:sp>
+            <p:nvSpPr>
+              <p:cNvPr id="66" name="Rectangle 18">
+                <a:extLst>
+                  <a:ext uri="{FF2B5EF4-FFF2-40B4-BE49-F238E27FC236}">
+                    <a16:creationId xmlns:a16="http://schemas.microsoft.com/office/drawing/2014/main" id="{722D9278-C658-42D9-AED2-4665514DA45B}"/>
+                  </a:ext>
+                </a:extLst>
+              </p:cNvPr>
+              <p:cNvSpPr>
+                <a:spLocks noChangeArrowheads="1"/>
+              </p:cNvSpPr>
+              <p:nvPr/>
+            </p:nvSpPr>
+            <p:spPr bwMode="auto">
+              <a:xfrm>
+                <a:off x="1506331" y="5032719"/>
+                <a:ext cx="10520828" cy="1673940"/>
+              </a:xfrm>
+              <a:prstGeom prst="rect">
+                <a:avLst/>
+              </a:prstGeom>
+              <a:noFill/>
+              <a:ln w="38100" algn="ctr">
+                <a:solidFill>
+                  <a:srgbClr val="C00000"/>
+                </a:solidFill>
+                <a:round/>
+                <a:headEnd/>
+                <a:tailEnd/>
+              </a:ln>
+              <a:extLst>
+                <a:ext uri="{909E8E84-426E-40DD-AFC4-6F175D3DCCD1}">
+                  <a14:hiddenFill xmlns:a14="http://schemas.microsoft.com/office/drawing/2010/main">
+                    <a:solidFill>
+                      <a:srgbClr val="FFFFFF"/>
+                    </a:solidFill>
+                  </a14:hiddenFill>
+                </a:ext>
+              </a:extLst>
+            </p:spPr>
+            <p:txBody>
+              <a:bodyPr/>
+              <a:lstStyle>
+                <a:lvl1pPr>
+                  <a:spcBef>
+                    <a:spcPct val="20000"/>
+                  </a:spcBef>
+                  <a:buChar char="•"/>
+                  <a:defRPr sz="2200">
+                    <a:solidFill>
+                      <a:schemeClr val="tx1"/>
+                    </a:solidFill>
+                    <a:latin typeface="Arial" panose="020B0604020202020204" pitchFamily="34" charset="0"/>
+                    <a:ea typeface="ＭＳ Ｐゴシック" panose="020B0600070205080204" pitchFamily="34" charset="-128"/>
+                  </a:defRPr>
+                </a:lvl1pPr>
+                <a:lvl2pPr marL="742950" indent="-285750">
+                  <a:spcBef>
+                    <a:spcPct val="20000"/>
+                  </a:spcBef>
+                  <a:buChar char="–"/>
+                  <a:defRPr>
+                    <a:solidFill>
+                      <a:schemeClr val="tx1"/>
+                    </a:solidFill>
+                    <a:latin typeface="Arial" panose="020B0604020202020204" pitchFamily="34" charset="0"/>
+                    <a:ea typeface="ＭＳ Ｐゴシック" panose="020B0600070205080204" pitchFamily="34" charset="-128"/>
+                  </a:defRPr>
+                </a:lvl2pPr>
+                <a:lvl3pPr marL="1143000" indent="-228600">
+                  <a:spcBef>
+                    <a:spcPct val="20000"/>
+                  </a:spcBef>
+                  <a:buChar char="•"/>
+                  <a:defRPr sz="1400">
+                    <a:solidFill>
+                      <a:schemeClr val="tx1"/>
+                    </a:solidFill>
+                    <a:latin typeface="Arial" panose="020B0604020202020204" pitchFamily="34" charset="0"/>
+                    <a:ea typeface="ＭＳ Ｐゴシック" panose="020B0600070205080204" pitchFamily="34" charset="-128"/>
+                  </a:defRPr>
+                </a:lvl3pPr>
+                <a:lvl4pPr marL="1600200" indent="-228600">
+                  <a:spcBef>
+                    <a:spcPct val="20000"/>
+                  </a:spcBef>
+                  <a:buChar char="–"/>
+                  <a:defRPr sz="1000">
+                    <a:solidFill>
+                      <a:schemeClr val="tx1"/>
+                    </a:solidFill>
+                    <a:latin typeface="Arial" panose="020B0604020202020204" pitchFamily="34" charset="0"/>
+                    <a:ea typeface="ＭＳ Ｐゴシック" panose="020B0600070205080204" pitchFamily="34" charset="-128"/>
+                  </a:defRPr>
+                </a:lvl4pPr>
+                <a:lvl5pPr marL="2057400" indent="-228600">
+                  <a:spcBef>
+                    <a:spcPct val="20000"/>
+                  </a:spcBef>
+                  <a:buChar char="»"/>
+                  <a:defRPr sz="1000">
+                    <a:solidFill>
+                      <a:schemeClr val="tx1"/>
+                    </a:solidFill>
+                    <a:latin typeface="Arial" panose="020B0604020202020204" pitchFamily="34" charset="0"/>
+                    <a:ea typeface="ＭＳ Ｐゴシック" panose="020B0600070205080204" pitchFamily="34" charset="-128"/>
+                  </a:defRPr>
+                </a:lvl5pPr>
+                <a:lvl6pPr marL="2514600" indent="-228600" eaLnBrk="0" fontAlgn="base" hangingPunct="0">
+                  <a:spcBef>
+                    <a:spcPct val="20000"/>
+                  </a:spcBef>
+                  <a:spcAft>
+                    <a:spcPct val="0"/>
+                  </a:spcAft>
+                  <a:buChar char="»"/>
+                  <a:defRPr sz="1000">
+                    <a:solidFill>
+                      <a:schemeClr val="tx1"/>
+                    </a:solidFill>
+                    <a:latin typeface="Arial" panose="020B0604020202020204" pitchFamily="34" charset="0"/>
+                    <a:ea typeface="ＭＳ Ｐゴシック" panose="020B0600070205080204" pitchFamily="34" charset="-128"/>
+                  </a:defRPr>
+                </a:lvl6pPr>
+                <a:lvl7pPr marL="2971800" indent="-228600" eaLnBrk="0" fontAlgn="base" hangingPunct="0">
+                  <a:spcBef>
+                    <a:spcPct val="20000"/>
+                  </a:spcBef>
+                  <a:spcAft>
+                    <a:spcPct val="0"/>
+                  </a:spcAft>
+                  <a:buChar char="»"/>
+                  <a:defRPr sz="1000">
+                    <a:solidFill>
+                      <a:schemeClr val="tx1"/>
+                    </a:solidFill>
+                    <a:latin typeface="Arial" panose="020B0604020202020204" pitchFamily="34" charset="0"/>
+                    <a:ea typeface="ＭＳ Ｐゴシック" panose="020B0600070205080204" pitchFamily="34" charset="-128"/>
+                  </a:defRPr>
+                </a:lvl7pPr>
+                <a:lvl8pPr marL="3429000" indent="-228600" eaLnBrk="0" fontAlgn="base" hangingPunct="0">
+                  <a:spcBef>
+                    <a:spcPct val="20000"/>
+                  </a:spcBef>
+                  <a:spcAft>
+                    <a:spcPct val="0"/>
+                  </a:spcAft>
+                  <a:buChar char="»"/>
+                  <a:defRPr sz="1000">
+                    <a:solidFill>
+                      <a:schemeClr val="tx1"/>
+                    </a:solidFill>
+                    <a:latin typeface="Arial" panose="020B0604020202020204" pitchFamily="34" charset="0"/>
+                    <a:ea typeface="ＭＳ Ｐゴシック" panose="020B0600070205080204" pitchFamily="34" charset="-128"/>
+                  </a:defRPr>
+                </a:lvl8pPr>
+                <a:lvl9pPr marL="3886200" indent="-228600" eaLnBrk="0" fontAlgn="base" hangingPunct="0">
+                  <a:spcBef>
+                    <a:spcPct val="20000"/>
+                  </a:spcBef>
+                  <a:spcAft>
+                    <a:spcPct val="0"/>
+                  </a:spcAft>
+                  <a:buChar char="»"/>
+                  <a:defRPr sz="1000">
+                    <a:solidFill>
+                      <a:schemeClr val="tx1"/>
+                    </a:solidFill>
+                    <a:latin typeface="Arial" panose="020B0604020202020204" pitchFamily="34" charset="0"/>
+                    <a:ea typeface="ＭＳ Ｐゴシック" panose="020B0600070205080204" pitchFamily="34" charset="-128"/>
+                  </a:defRPr>
+                </a:lvl9pPr>
+              </a:lstStyle>
+              <a:p>
+                <a:pPr fontAlgn="base">
+                  <a:spcBef>
+                    <a:spcPct val="0"/>
+                  </a:spcBef>
+                  <a:spcAft>
+                    <a:spcPct val="0"/>
+                  </a:spcAft>
+                  <a:buNone/>
+                </a:pPr>
+                <a:endParaRPr lang="en-US" altLang="en-US" sz="1800" b="1" dirty="0">
+                  <a:solidFill>
+                    <a:srgbClr val="000000"/>
+                  </a:solidFill>
+                </a:endParaRPr>
+              </a:p>
+            </p:txBody>
+          </p:sp>
+        </p:grpSp>
+        <p:grpSp>
+          <p:nvGrpSpPr>
+            <p:cNvPr id="41" name="Group 40">
+              <a:extLst>
+                <a:ext uri="{FF2B5EF4-FFF2-40B4-BE49-F238E27FC236}">
+                  <a16:creationId xmlns:a16="http://schemas.microsoft.com/office/drawing/2014/main" id="{816AFD1A-AF96-4B50-AB16-1AFE26A8EC80}"/>
+                </a:ext>
+              </a:extLst>
+            </p:cNvPr>
+            <p:cNvGrpSpPr/>
+            <p:nvPr/>
+          </p:nvGrpSpPr>
+          <p:grpSpPr>
+            <a:xfrm>
+              <a:off x="2887115" y="5292385"/>
+              <a:ext cx="8197590" cy="699888"/>
+              <a:chOff x="4053841" y="4159767"/>
+              <a:chExt cx="8197590" cy="699888"/>
+            </a:xfrm>
+          </p:grpSpPr>
+          <p:sp>
+            <p:nvSpPr>
+              <p:cNvPr id="42" name="TextBox 41">
+                <a:extLst>
+                  <a:ext uri="{FF2B5EF4-FFF2-40B4-BE49-F238E27FC236}">
+                    <a16:creationId xmlns:a16="http://schemas.microsoft.com/office/drawing/2014/main" id="{EEC21C6B-CE93-4541-B326-F365262F9A38}"/>
+                  </a:ext>
+                </a:extLst>
+              </p:cNvPr>
+              <p:cNvSpPr txBox="1">
+                <a:spLocks noChangeArrowheads="1"/>
+              </p:cNvSpPr>
+              <p:nvPr/>
+            </p:nvSpPr>
+            <p:spPr bwMode="auto">
+              <a:xfrm>
+                <a:off x="5980115" y="4491355"/>
+                <a:ext cx="1571062" cy="368300"/>
+              </a:xfrm>
+              <a:prstGeom prst="rect">
+                <a:avLst/>
+              </a:prstGeom>
+              <a:solidFill>
+                <a:srgbClr val="F2EECE"/>
+              </a:solidFill>
+              <a:ln w="28575">
+                <a:solidFill>
+                  <a:schemeClr val="tx1">
+                    <a:lumMod val="50000"/>
+                    <a:lumOff val="50000"/>
+                  </a:schemeClr>
+                </a:solidFill>
+                <a:miter lim="800000"/>
+                <a:headEnd/>
+                <a:tailEnd/>
+              </a:ln>
+            </p:spPr>
+            <p:txBody>
+              <a:bodyPr wrap="square">
+                <a:spAutoFit/>
+              </a:bodyPr>
+              <a:lstStyle>
+                <a:lvl1pPr eaLnBrk="0" hangingPunct="0">
+                  <a:defRPr sz="2400" b="1">
+                    <a:solidFill>
+                      <a:schemeClr val="tx1"/>
+                    </a:solidFill>
+                    <a:latin typeface="Arial" charset="0"/>
+                    <a:ea typeface="ＭＳ Ｐゴシック" pitchFamily="34" charset="-128"/>
+                  </a:defRPr>
+                </a:lvl1pPr>
+                <a:lvl2pPr marL="742950" indent="-285750" eaLnBrk="0" hangingPunct="0">
+                  <a:defRPr sz="2400" b="1">
+                    <a:solidFill>
+                      <a:schemeClr val="tx1"/>
+                    </a:solidFill>
+                    <a:latin typeface="Arial" charset="0"/>
+                    <a:ea typeface="ＭＳ Ｐゴシック" pitchFamily="34" charset="-128"/>
+                  </a:defRPr>
+                </a:lvl2pPr>
+                <a:lvl3pPr marL="1143000" indent="-228600" eaLnBrk="0" hangingPunct="0">
+                  <a:defRPr sz="2400" b="1">
+                    <a:solidFill>
+                      <a:schemeClr val="tx1"/>
+                    </a:solidFill>
+                    <a:latin typeface="Arial" charset="0"/>
+                    <a:ea typeface="ＭＳ Ｐゴシック" pitchFamily="34" charset="-128"/>
+                  </a:defRPr>
+                </a:lvl3pPr>
+                <a:lvl4pPr marL="1600200" indent="-228600" eaLnBrk="0" hangingPunct="0">
+                  <a:defRPr sz="2400" b="1">
+                    <a:solidFill>
+                      <a:schemeClr val="tx1"/>
+                    </a:solidFill>
+                    <a:latin typeface="Arial" charset="0"/>
+                    <a:ea typeface="ＭＳ Ｐゴシック" pitchFamily="34" charset="-128"/>
+                  </a:defRPr>
+                </a:lvl4pPr>
+                <a:lvl5pPr marL="2057400" indent="-228600" eaLnBrk="0" hangingPunct="0">
+                  <a:defRPr sz="2400" b="1">
+                    <a:solidFill>
+                      <a:schemeClr val="tx1"/>
+                    </a:solidFill>
+                    <a:latin typeface="Arial" charset="0"/>
+                    <a:ea typeface="ＭＳ Ｐゴシック" pitchFamily="34" charset="-128"/>
+                  </a:defRPr>
+                </a:lvl5pPr>
+                <a:lvl6pPr marL="2514600" indent="-228600" eaLnBrk="0" fontAlgn="base" hangingPunct="0">
+                  <a:spcBef>
+                    <a:spcPct val="0"/>
+                  </a:spcBef>
+                  <a:spcAft>
+                    <a:spcPct val="0"/>
+                  </a:spcAft>
+                  <a:defRPr sz="2400" b="1">
+                    <a:solidFill>
+                      <a:schemeClr val="tx1"/>
+                    </a:solidFill>
+                    <a:latin typeface="Arial" charset="0"/>
+                    <a:ea typeface="ＭＳ Ｐゴシック" pitchFamily="34" charset="-128"/>
+                  </a:defRPr>
+                </a:lvl6pPr>
+                <a:lvl7pPr marL="2971800" indent="-228600" eaLnBrk="0" fontAlgn="base" hangingPunct="0">
+                  <a:spcBef>
+                    <a:spcPct val="0"/>
+                  </a:spcBef>
+                  <a:spcAft>
+                    <a:spcPct val="0"/>
+                  </a:spcAft>
+                  <a:defRPr sz="2400" b="1">
+                    <a:solidFill>
+                      <a:schemeClr val="tx1"/>
+                    </a:solidFill>
+                    <a:latin typeface="Arial" charset="0"/>
+                    <a:ea typeface="ＭＳ Ｐゴシック" pitchFamily="34" charset="-128"/>
+                  </a:defRPr>
+                </a:lvl7pPr>
+                <a:lvl8pPr marL="3429000" indent="-228600" eaLnBrk="0" fontAlgn="base" hangingPunct="0">
+                  <a:spcBef>
+                    <a:spcPct val="0"/>
+                  </a:spcBef>
+                  <a:spcAft>
+                    <a:spcPct val="0"/>
+                  </a:spcAft>
+                  <a:defRPr sz="2400" b="1">
+                    <a:solidFill>
+                      <a:schemeClr val="tx1"/>
+                    </a:solidFill>
+                    <a:latin typeface="Arial" charset="0"/>
+                    <a:ea typeface="ＭＳ Ｐゴシック" pitchFamily="34" charset="-128"/>
+                  </a:defRPr>
+                </a:lvl8pPr>
+                <a:lvl9pPr marL="3886200" indent="-228600" eaLnBrk="0" fontAlgn="base" hangingPunct="0">
+                  <a:spcBef>
+                    <a:spcPct val="0"/>
+                  </a:spcBef>
+                  <a:spcAft>
+                    <a:spcPct val="0"/>
+                  </a:spcAft>
+                  <a:defRPr sz="2400" b="1">
+                    <a:solidFill>
+                      <a:schemeClr val="tx1"/>
+                    </a:solidFill>
+                    <a:latin typeface="Arial" charset="0"/>
+                    <a:ea typeface="ＭＳ Ｐゴシック" pitchFamily="34" charset="-128"/>
+                  </a:defRPr>
+                </a:lvl9pPr>
+              </a:lstStyle>
+              <a:p>
+                <a:pPr eaLnBrk="1" fontAlgn="base" hangingPunct="1">
+                  <a:spcBef>
+                    <a:spcPct val="0"/>
+                  </a:spcBef>
+                  <a:spcAft>
+                    <a:spcPct val="0"/>
+                  </a:spcAft>
+                  <a:defRPr/>
+                </a:pPr>
+                <a:r>
+                  <a:rPr lang="en-US" altLang="en-US" sz="900" dirty="0">
+                    <a:solidFill>
+                      <a:srgbClr val="000000"/>
+                    </a:solidFill>
+                    <a:latin typeface="Arial" panose="020B0604020202020204" pitchFamily="34" charset="0"/>
+                    <a:cs typeface="Arial" panose="020B0604020202020204" pitchFamily="34" charset="0"/>
+                  </a:rPr>
+                  <a:t>Tool Scope Name</a:t>
+                </a:r>
+                <a:r>
+                  <a:rPr lang="en-US" altLang="en-US" sz="900" b="0" dirty="0">
+                    <a:solidFill>
+                      <a:srgbClr val="000000"/>
+                    </a:solidFill>
+                    <a:latin typeface="Arial" panose="020B0604020202020204" pitchFamily="34" charset="0"/>
+                    <a:cs typeface="Arial" panose="020B0604020202020204" pitchFamily="34" charset="0"/>
+                  </a:rPr>
+                  <a:t> and </a:t>
+                </a:r>
+                <a:r>
+                  <a:rPr lang="en-US" altLang="en-US" sz="900" dirty="0">
+                    <a:solidFill>
+                      <a:srgbClr val="000000"/>
+                    </a:solidFill>
+                    <a:latin typeface="Arial" panose="020B0604020202020204" pitchFamily="34" charset="0"/>
+                    <a:cs typeface="Arial" panose="020B0604020202020204" pitchFamily="34" charset="0"/>
+                  </a:rPr>
+                  <a:t>Home Title </a:t>
+                </a:r>
+                <a:r>
+                  <a:rPr lang="en-US" altLang="en-US" sz="900" b="0" dirty="0">
+                    <a:solidFill>
+                      <a:srgbClr val="000000"/>
+                    </a:solidFill>
+                    <a:latin typeface="Arial" panose="020B0604020202020204" pitchFamily="34" charset="0"/>
+                    <a:cs typeface="Arial" panose="020B0604020202020204" pitchFamily="34" charset="0"/>
+                  </a:rPr>
+                  <a:t>are</a:t>
+                </a:r>
+                <a:r>
+                  <a:rPr lang="en-US" altLang="en-US" sz="900" dirty="0">
+                    <a:solidFill>
+                      <a:srgbClr val="000000"/>
+                    </a:solidFill>
+                    <a:latin typeface="Arial" panose="020B0604020202020204" pitchFamily="34" charset="0"/>
+                    <a:cs typeface="Arial" panose="020B0604020202020204" pitchFamily="34" charset="0"/>
+                  </a:rPr>
+                  <a:t> displayed.</a:t>
+                </a:r>
+                <a:endParaRPr lang="en-US" altLang="ja-JP" sz="900" b="0" dirty="0">
+                  <a:solidFill>
+                    <a:srgbClr val="000000"/>
+                  </a:solidFill>
+                  <a:latin typeface="Arial" panose="020B0604020202020204" pitchFamily="34" charset="0"/>
+                  <a:cs typeface="Arial" panose="020B0604020202020204" pitchFamily="34" charset="0"/>
+                </a:endParaRPr>
+              </a:p>
+            </p:txBody>
+          </p:sp>
+          <p:sp>
+            <p:nvSpPr>
+              <p:cNvPr id="43" name="Oval 42">
+                <a:extLst>
+                  <a:ext uri="{FF2B5EF4-FFF2-40B4-BE49-F238E27FC236}">
+                    <a16:creationId xmlns:a16="http://schemas.microsoft.com/office/drawing/2014/main" id="{F95B6356-6F93-4509-BE6E-7E7D1AF8124C}"/>
+                  </a:ext>
+                </a:extLst>
+              </p:cNvPr>
+              <p:cNvSpPr>
+                <a:spLocks noChangeArrowheads="1"/>
+              </p:cNvSpPr>
+              <p:nvPr/>
+            </p:nvSpPr>
+            <p:spPr bwMode="auto">
+              <a:xfrm>
+                <a:off x="5843589" y="4315143"/>
+                <a:ext cx="263525" cy="260350"/>
+              </a:xfrm>
+              <a:prstGeom prst="ellipse">
+                <a:avLst/>
+              </a:prstGeom>
+              <a:solidFill>
+                <a:srgbClr val="002060"/>
+              </a:solidFill>
+              <a:ln w="9525">
+                <a:solidFill>
+                  <a:schemeClr val="bg1"/>
+                </a:solidFill>
+                <a:round/>
+                <a:headEnd/>
+                <a:tailEnd/>
+              </a:ln>
+              <a:effectLst>
+                <a:outerShdw blurRad="50800" dist="38100" dir="5400000" algn="t" rotWithShape="0">
+                  <a:srgbClr val="808080">
+                    <a:alpha val="39998"/>
+                  </a:srgbClr>
+                </a:outerShdw>
+              </a:effectLst>
+            </p:spPr>
+            <p:txBody>
+              <a:bodyPr lIns="0" tIns="0" rIns="0" bIns="0" anchor="ctr"/>
+              <a:lstStyle/>
+              <a:p>
+                <a:pPr algn="ctr" fontAlgn="base">
+                  <a:spcBef>
+                    <a:spcPct val="0"/>
+                  </a:spcBef>
+                  <a:spcAft>
+                    <a:spcPct val="0"/>
+                  </a:spcAft>
+                  <a:defRPr/>
+                </a:pPr>
+                <a:r>
+                  <a:rPr lang="en-US" sz="900" b="1" dirty="0">
+                    <a:solidFill>
+                      <a:srgbClr val="FFFFFF"/>
+                    </a:solidFill>
+                    <a:latin typeface="Franklin Gothic Demi"/>
+                    <a:ea typeface="ＭＳ Ｐゴシック" panose="020B0600070205080204" pitchFamily="34" charset="-128"/>
+                  </a:rPr>
+                  <a:t>4</a:t>
+                </a:r>
+              </a:p>
+            </p:txBody>
+          </p:sp>
+          <p:cxnSp>
+            <p:nvCxnSpPr>
+              <p:cNvPr id="44" name="Straight Connector 58">
+                <a:extLst>
+                  <a:ext uri="{FF2B5EF4-FFF2-40B4-BE49-F238E27FC236}">
+                    <a16:creationId xmlns:a16="http://schemas.microsoft.com/office/drawing/2014/main" id="{AA3DF642-DCED-4541-BDC1-EA9045A87327}"/>
+                  </a:ext>
+                </a:extLst>
+              </p:cNvPr>
+              <p:cNvCxnSpPr>
+                <a:cxnSpLocks noChangeShapeType="1"/>
+              </p:cNvCxnSpPr>
+              <p:nvPr/>
+            </p:nvCxnSpPr>
+            <p:spPr bwMode="auto">
+              <a:xfrm flipH="1">
+                <a:off x="4053841" y="4654868"/>
+                <a:ext cx="1926274" cy="0"/>
+              </a:xfrm>
+              <a:prstGeom prst="line">
+                <a:avLst/>
+              </a:prstGeom>
+              <a:noFill/>
+              <a:ln w="28575">
+                <a:solidFill>
+                  <a:srgbClr val="7F7F7F"/>
+                </a:solidFill>
+                <a:round/>
+                <a:headEnd/>
+                <a:tailEnd type="oval" w="med" len="med"/>
+              </a:ln>
+              <a:effectLst/>
+              <a:extLst>
+                <a:ext uri="{909E8E84-426E-40DD-AFC4-6F175D3DCCD1}">
+                  <a14:hiddenFill xmlns:a14="http://schemas.microsoft.com/office/drawing/2010/main">
+                    <a:noFill/>
+                  </a14:hiddenFill>
+                </a:ext>
+                <a:ext uri="{AF507438-7753-43E0-B8FC-AC1667EBCBE1}">
+                  <a14:hiddenEffects xmlns:a14="http://schemas.microsoft.com/office/drawing/2010/main">
+                    <a:effectLst>
+                      <a:outerShdw dist="35921" dir="2700000" algn="ctr" rotWithShape="0">
+                        <a:schemeClr val="bg2"/>
+                      </a:outerShdw>
+                    </a:effectLst>
+                  </a14:hiddenEffects>
+                </a:ext>
+              </a:extLst>
+            </p:spPr>
+          </p:cxnSp>
+          <p:cxnSp>
+            <p:nvCxnSpPr>
+              <p:cNvPr id="45" name="Straight Connector 31">
+                <a:extLst>
+                  <a:ext uri="{FF2B5EF4-FFF2-40B4-BE49-F238E27FC236}">
+                    <a16:creationId xmlns:a16="http://schemas.microsoft.com/office/drawing/2014/main" id="{57758219-359E-4C2D-B5FD-E3601FCBE12E}"/>
+                  </a:ext>
+                </a:extLst>
+              </p:cNvPr>
+              <p:cNvCxnSpPr>
+                <a:cxnSpLocks noChangeShapeType="1"/>
+              </p:cNvCxnSpPr>
+              <p:nvPr/>
+            </p:nvCxnSpPr>
+            <p:spPr bwMode="auto">
+              <a:xfrm flipH="1" flipV="1">
+                <a:off x="7557278" y="4646731"/>
+                <a:ext cx="4694153" cy="8137"/>
+              </a:xfrm>
+              <a:prstGeom prst="line">
+                <a:avLst/>
+              </a:prstGeom>
+              <a:noFill/>
+              <a:ln w="28575">
+                <a:solidFill>
+                  <a:srgbClr val="7F7F7F"/>
+                </a:solidFill>
+                <a:round/>
+                <a:headEnd/>
+                <a:tailEnd/>
+              </a:ln>
+              <a:effectLst/>
+              <a:extLst>
+                <a:ext uri="{909E8E84-426E-40DD-AFC4-6F175D3DCCD1}">
+                  <a14:hiddenFill xmlns:a14="http://schemas.microsoft.com/office/drawing/2010/main">
+                    <a:noFill/>
+                  </a14:hiddenFill>
+                </a:ext>
+                <a:ext uri="{AF507438-7753-43E0-B8FC-AC1667EBCBE1}">
+                  <a14:hiddenEffects xmlns:a14="http://schemas.microsoft.com/office/drawing/2010/main">
+                    <a:effectLst>
+                      <a:outerShdw dist="35921" dir="2700000" algn="ctr" rotWithShape="0">
+                        <a:schemeClr val="bg2"/>
+                      </a:outerShdw>
+                    </a:effectLst>
+                  </a14:hiddenEffects>
+                </a:ext>
+              </a:extLst>
+            </p:spPr>
+          </p:cxnSp>
+          <p:cxnSp>
+            <p:nvCxnSpPr>
+              <p:cNvPr id="46" name="Straight Connector 58">
+                <a:extLst>
+                  <a:ext uri="{FF2B5EF4-FFF2-40B4-BE49-F238E27FC236}">
+                    <a16:creationId xmlns:a16="http://schemas.microsoft.com/office/drawing/2014/main" id="{370C168C-50C1-46E7-8CD9-B3D897BF4A98}"/>
+                  </a:ext>
+                </a:extLst>
+              </p:cNvPr>
+              <p:cNvCxnSpPr>
+                <a:cxnSpLocks noChangeShapeType="1"/>
+              </p:cNvCxnSpPr>
+              <p:nvPr/>
+            </p:nvCxnSpPr>
+            <p:spPr bwMode="auto">
+              <a:xfrm flipV="1">
+                <a:off x="12245569" y="4159767"/>
+                <a:ext cx="0" cy="495101"/>
+              </a:xfrm>
+              <a:prstGeom prst="line">
+                <a:avLst/>
+              </a:prstGeom>
+              <a:noFill/>
+              <a:ln w="28575">
+                <a:solidFill>
+                  <a:srgbClr val="7F7F7F"/>
+                </a:solidFill>
+                <a:round/>
+                <a:headEnd/>
+                <a:tailEnd type="oval" w="med" len="med"/>
+              </a:ln>
+              <a:effectLst/>
+              <a:extLst>
+                <a:ext uri="{909E8E84-426E-40DD-AFC4-6F175D3DCCD1}">
+                  <a14:hiddenFill xmlns:a14="http://schemas.microsoft.com/office/drawing/2010/main">
+                    <a:noFill/>
+                  </a14:hiddenFill>
+                </a:ext>
+                <a:ext uri="{AF507438-7753-43E0-B8FC-AC1667EBCBE1}">
+                  <a14:hiddenEffects xmlns:a14="http://schemas.microsoft.com/office/drawing/2010/main">
+                    <a:effectLst>
+                      <a:outerShdw dist="35921" dir="2700000" algn="ctr" rotWithShape="0">
+                        <a:schemeClr val="bg2"/>
+                      </a:outerShdw>
+                    </a:effectLst>
+                  </a14:hiddenEffects>
+                </a:ext>
+              </a:extLst>
+            </p:spPr>
+          </p:cxnSp>
+        </p:grpSp>
+      </p:grpSp>
       <p:pic>
         <p:nvPicPr>
-          <p:cNvPr id="2" name="Picture 1">
-            <a:extLst>
-              <a:ext uri="{FF2B5EF4-FFF2-40B4-BE49-F238E27FC236}">
-                <a16:creationId xmlns:a16="http://schemas.microsoft.com/office/drawing/2014/main" id="{FC71C612-D085-4B2C-84CB-FC8A60D72F92}"/>
+          <p:cNvPr id="3" name="Picture 2">
+            <a:extLst>
+              <a:ext uri="{FF2B5EF4-FFF2-40B4-BE49-F238E27FC236}">
+                <a16:creationId xmlns:a16="http://schemas.microsoft.com/office/drawing/2014/main" id="{3F1510C9-9A7F-4588-A8FB-9C91F00A5486}"/>
               </a:ext>
             </a:extLst>
           </p:cNvPr>
@@ -6405,15 +6679,15 @@
           <p:nvPr/>
         </p:nvPicPr>
         <p:blipFill>
-          <a:blip r:embed="rId6"/>
+          <a:blip r:embed="rId7"/>
           <a:stretch>
             <a:fillRect/>
           </a:stretch>
         </p:blipFill>
         <p:spPr>
           <a:xfrm>
-            <a:off x="9936526" y="1079976"/>
-            <a:ext cx="1666111" cy="173377"/>
+            <a:off x="10473366" y="1522049"/>
+            <a:ext cx="1110305" cy="1446364"/>
           </a:xfrm>
           <a:prstGeom prst="rect">
             <a:avLst/>
@@ -6423,7 +6697,7 @@
     </p:spTree>
     <p:extLst>
       <p:ext uri="{BB962C8B-B14F-4D97-AF65-F5344CB8AC3E}">
-        <p14:creationId xmlns:p14="http://schemas.microsoft.com/office/powerpoint/2010/main" val="2290102311"/>
+        <p14:creationId xmlns:p14="http://schemas.microsoft.com/office/powerpoint/2010/main" val="871901230"/>
       </p:ext>
     </p:extLst>
   </p:cSld>
